--- a/docs/diagrams/UiComponentClassDiagram.pptx
+++ b/docs/diagrams/UiComponentClassDiagram.pptx
@@ -5,10 +5,11 @@
     <p:sldMasterId id="2147483648" r:id="rId1"/>
   </p:sldMasterIdLst>
   <p:notesMasterIdLst>
-    <p:notesMasterId r:id="rId3"/>
+    <p:notesMasterId r:id="rId4"/>
   </p:notesMasterIdLst>
   <p:sldIdLst>
     <p:sldId id="260" r:id="rId2"/>
+    <p:sldId id="261" r:id="rId3"/>
   </p:sldIdLst>
   <p:sldSz cx="9144000" cy="6858000" type="screen4x3"/>
   <p:notesSz cx="6858000" cy="9144000"/>
@@ -208,7 +209,7 @@
           <a:p>
             <a:fld id="{F5CC4B3F-88C1-4FFA-B1B6-F41C21DC6924}" type="datetimeFigureOut">
               <a:rPr lang="en-US" smtClean="0"/>
-              <a:t>1/7/2017</a:t>
+              <a:t>11/6/18</a:t>
             </a:fld>
             <a:endParaRPr lang="en-US"/>
           </a:p>
@@ -475,6 +476,90 @@
 </p:notesMaster>
 </file>
 
+<file path=ppt/notesSlides/notesSlide1.xml><?xml version="1.0" encoding="utf-8"?>
+<p:notes xmlns:a="http://schemas.openxmlformats.org/drawingml/2006/main" xmlns:r="http://schemas.openxmlformats.org/officeDocument/2006/relationships" xmlns:p="http://schemas.openxmlformats.org/presentationml/2006/main">
+  <p:cSld>
+    <p:spTree>
+      <p:nvGrpSpPr>
+        <p:cNvPr id="1" name=""/>
+        <p:cNvGrpSpPr/>
+        <p:nvPr/>
+      </p:nvGrpSpPr>
+      <p:grpSpPr>
+        <a:xfrm>
+          <a:off x="0" y="0"/>
+          <a:ext cx="0" cy="0"/>
+          <a:chOff x="0" y="0"/>
+          <a:chExt cx="0" cy="0"/>
+        </a:xfrm>
+      </p:grpSpPr>
+      <p:sp>
+        <p:nvSpPr>
+          <p:cNvPr id="2" name="Slide Image Placeholder 1"/>
+          <p:cNvSpPr>
+            <a:spLocks noGrp="1" noRot="1" noChangeAspect="1"/>
+          </p:cNvSpPr>
+          <p:nvPr>
+            <p:ph type="sldImg"/>
+          </p:nvPr>
+        </p:nvSpPr>
+        <p:spPr/>
+      </p:sp>
+      <p:sp>
+        <p:nvSpPr>
+          <p:cNvPr id="3" name="Notes Placeholder 2"/>
+          <p:cNvSpPr>
+            <a:spLocks noGrp="1"/>
+          </p:cNvSpPr>
+          <p:nvPr>
+            <p:ph type="body" idx="1"/>
+          </p:nvPr>
+        </p:nvSpPr>
+        <p:spPr/>
+        <p:txBody>
+          <a:bodyPr/>
+          <a:lstStyle/>
+          <a:p>
+            <a:endParaRPr lang="en-US" dirty="0"/>
+          </a:p>
+        </p:txBody>
+      </p:sp>
+      <p:sp>
+        <p:nvSpPr>
+          <p:cNvPr id="4" name="Slide Number Placeholder 3"/>
+          <p:cNvSpPr>
+            <a:spLocks noGrp="1"/>
+          </p:cNvSpPr>
+          <p:nvPr>
+            <p:ph type="sldNum" sz="quarter" idx="10"/>
+          </p:nvPr>
+        </p:nvSpPr>
+        <p:spPr/>
+        <p:txBody>
+          <a:bodyPr/>
+          <a:lstStyle/>
+          <a:p>
+            <a:fld id="{5A7AB025-77E3-4BD1-A2FD-B3183DBA47A3}" type="slidenum">
+              <a:rPr lang="en-US" smtClean="0"/>
+              <a:t>2</a:t>
+            </a:fld>
+            <a:endParaRPr lang="en-US"/>
+          </a:p>
+        </p:txBody>
+      </p:sp>
+    </p:spTree>
+    <p:extLst>
+      <p:ext uri="{BB962C8B-B14F-4D97-AF65-F5344CB8AC3E}">
+        <p14:creationId xmlns:p14="http://schemas.microsoft.com/office/powerpoint/2010/main" val="1950009199"/>
+      </p:ext>
+    </p:extLst>
+  </p:cSld>
+  <p:clrMapOvr>
+    <a:masterClrMapping/>
+  </p:clrMapOvr>
+</p:notes>
+</file>
+
 <file path=ppt/slideLayouts/slideLayout1.xml><?xml version="1.0" encoding="utf-8"?>
 <p:sldLayout xmlns:a="http://schemas.openxmlformats.org/drawingml/2006/main" xmlns:r="http://schemas.openxmlformats.org/officeDocument/2006/relationships" xmlns:p="http://schemas.openxmlformats.org/presentationml/2006/main" type="title" preserve="1">
   <p:cSld name="Title Slide">
@@ -654,7 +739,7 @@
           <a:p>
             <a:fld id="{78C97017-6FC3-485B-9764-EAC9E56C1D49}" type="datetimeFigureOut">
               <a:rPr lang="en-US" smtClean="0"/>
-              <a:t>1/7/2017</a:t>
+              <a:t>11/6/18</a:t>
             </a:fld>
             <a:endParaRPr lang="en-US"/>
           </a:p>
@@ -822,7 +907,7 @@
           <a:p>
             <a:fld id="{78C97017-6FC3-485B-9764-EAC9E56C1D49}" type="datetimeFigureOut">
               <a:rPr lang="en-US" smtClean="0"/>
-              <a:t>1/7/2017</a:t>
+              <a:t>11/6/18</a:t>
             </a:fld>
             <a:endParaRPr lang="en-US"/>
           </a:p>
@@ -1000,7 +1085,7 @@
           <a:p>
             <a:fld id="{78C97017-6FC3-485B-9764-EAC9E56C1D49}" type="datetimeFigureOut">
               <a:rPr lang="en-US" smtClean="0"/>
-              <a:t>1/7/2017</a:t>
+              <a:t>11/6/18</a:t>
             </a:fld>
             <a:endParaRPr lang="en-US"/>
           </a:p>
@@ -1168,7 +1253,7 @@
           <a:p>
             <a:fld id="{78C97017-6FC3-485B-9764-EAC9E56C1D49}" type="datetimeFigureOut">
               <a:rPr lang="en-US" smtClean="0"/>
-              <a:t>1/7/2017</a:t>
+              <a:t>11/6/18</a:t>
             </a:fld>
             <a:endParaRPr lang="en-US"/>
           </a:p>
@@ -1413,7 +1498,7 @@
           <a:p>
             <a:fld id="{78C97017-6FC3-485B-9764-EAC9E56C1D49}" type="datetimeFigureOut">
               <a:rPr lang="en-US" smtClean="0"/>
-              <a:t>1/7/2017</a:t>
+              <a:t>11/6/18</a:t>
             </a:fld>
             <a:endParaRPr lang="en-US"/>
           </a:p>
@@ -1698,7 +1783,7 @@
           <a:p>
             <a:fld id="{78C97017-6FC3-485B-9764-EAC9E56C1D49}" type="datetimeFigureOut">
               <a:rPr lang="en-US" smtClean="0"/>
-              <a:t>1/7/2017</a:t>
+              <a:t>11/6/18</a:t>
             </a:fld>
             <a:endParaRPr lang="en-US"/>
           </a:p>
@@ -2117,7 +2202,7 @@
           <a:p>
             <a:fld id="{78C97017-6FC3-485B-9764-EAC9E56C1D49}" type="datetimeFigureOut">
               <a:rPr lang="en-US" smtClean="0"/>
-              <a:t>1/7/2017</a:t>
+              <a:t>11/6/18</a:t>
             </a:fld>
             <a:endParaRPr lang="en-US"/>
           </a:p>
@@ -2234,7 +2319,7 @@
           <a:p>
             <a:fld id="{78C97017-6FC3-485B-9764-EAC9E56C1D49}" type="datetimeFigureOut">
               <a:rPr lang="en-US" smtClean="0"/>
-              <a:t>1/7/2017</a:t>
+              <a:t>11/6/18</a:t>
             </a:fld>
             <a:endParaRPr lang="en-US"/>
           </a:p>
@@ -2329,7 +2414,7 @@
           <a:p>
             <a:fld id="{78C97017-6FC3-485B-9764-EAC9E56C1D49}" type="datetimeFigureOut">
               <a:rPr lang="en-US" smtClean="0"/>
-              <a:t>1/7/2017</a:t>
+              <a:t>11/6/18</a:t>
             </a:fld>
             <a:endParaRPr lang="en-US"/>
           </a:p>
@@ -2604,7 +2689,7 @@
           <a:p>
             <a:fld id="{78C97017-6FC3-485B-9764-EAC9E56C1D49}" type="datetimeFigureOut">
               <a:rPr lang="en-US" smtClean="0"/>
-              <a:t>1/7/2017</a:t>
+              <a:t>11/6/18</a:t>
             </a:fld>
             <a:endParaRPr lang="en-US"/>
           </a:p>
@@ -2856,7 +2941,7 @@
           <a:p>
             <a:fld id="{78C97017-6FC3-485B-9764-EAC9E56C1D49}" type="datetimeFigureOut">
               <a:rPr lang="en-US" smtClean="0"/>
-              <a:t>1/7/2017</a:t>
+              <a:t>11/6/18</a:t>
             </a:fld>
             <a:endParaRPr lang="en-US"/>
           </a:p>
@@ -3067,7 +3152,7 @@
           <a:p>
             <a:fld id="{78C97017-6FC3-485B-9764-EAC9E56C1D49}" type="datetimeFigureOut">
               <a:rPr lang="en-US" smtClean="0"/>
-              <a:t>1/7/2017</a:t>
+              <a:t>11/6/18</a:t>
             </a:fld>
             <a:endParaRPr lang="en-US"/>
           </a:p>
@@ -5513,6 +5598,3163 @@
     <p:extLst>
       <p:ext uri="{BB962C8B-B14F-4D97-AF65-F5344CB8AC3E}">
         <p14:creationId xmlns:p14="http://schemas.microsoft.com/office/powerpoint/2010/main" val="2776882492"/>
+      </p:ext>
+    </p:extLst>
+  </p:cSld>
+  <p:clrMapOvr>
+    <a:masterClrMapping/>
+  </p:clrMapOvr>
+</p:sld>
+</file>
+
+<file path=ppt/slides/slide2.xml><?xml version="1.0" encoding="utf-8"?>
+<p:sld xmlns:a="http://schemas.openxmlformats.org/drawingml/2006/main" xmlns:r="http://schemas.openxmlformats.org/officeDocument/2006/relationships" xmlns:p="http://schemas.openxmlformats.org/presentationml/2006/main">
+  <p:cSld>
+    <p:spTree>
+      <p:nvGrpSpPr>
+        <p:cNvPr id="1" name=""/>
+        <p:cNvGrpSpPr/>
+        <p:nvPr/>
+      </p:nvGrpSpPr>
+      <p:grpSpPr>
+        <a:xfrm>
+          <a:off x="0" y="0"/>
+          <a:ext cx="0" cy="0"/>
+          <a:chOff x="0" y="0"/>
+          <a:chExt cx="0" cy="0"/>
+        </a:xfrm>
+      </p:grpSpPr>
+      <p:sp>
+        <p:nvSpPr>
+          <p:cNvPr id="23" name="Rectangle 65"/>
+          <p:cNvSpPr/>
+          <p:nvPr/>
+        </p:nvSpPr>
+        <p:spPr>
+          <a:xfrm>
+            <a:off x="1217465" y="1447800"/>
+            <a:ext cx="5335735" cy="4419600"/>
+          </a:xfrm>
+          <a:prstGeom prst="roundRect">
+            <a:avLst>
+              <a:gd name="adj" fmla="val 3484"/>
+            </a:avLst>
+          </a:prstGeom>
+          <a:solidFill>
+            <a:srgbClr val="F1F5E9"/>
+          </a:solidFill>
+          <a:ln w="19050">
+            <a:noFill/>
+          </a:ln>
+          <a:effectLst/>
+        </p:spPr>
+        <p:style>
+          <a:lnRef idx="1">
+            <a:schemeClr val="accent2"/>
+          </a:lnRef>
+          <a:fillRef idx="2">
+            <a:schemeClr val="accent2"/>
+          </a:fillRef>
+          <a:effectRef idx="1">
+            <a:schemeClr val="accent2"/>
+          </a:effectRef>
+          <a:fontRef idx="minor">
+            <a:schemeClr val="dk1"/>
+          </a:fontRef>
+        </p:style>
+        <p:txBody>
+          <a:bodyPr rtlCol="0" anchor="t"/>
+          <a:lstStyle/>
+          <a:p>
+            <a:r>
+              <a:rPr lang="en-US" sz="1200" b="1" dirty="0">
+                <a:solidFill>
+                  <a:schemeClr val="accent3">
+                    <a:lumMod val="75000"/>
+                  </a:schemeClr>
+                </a:solidFill>
+              </a:rPr>
+              <a:t>UI</a:t>
+            </a:r>
+            <a:endParaRPr lang="en-SG" sz="1200" b="1" dirty="0">
+              <a:solidFill>
+                <a:schemeClr val="accent3">
+                  <a:lumMod val="75000"/>
+                </a:schemeClr>
+              </a:solidFill>
+            </a:endParaRPr>
+          </a:p>
+        </p:txBody>
+      </p:sp>
+      <p:sp>
+        <p:nvSpPr>
+          <p:cNvPr id="2" name="Rectangle 8"/>
+          <p:cNvSpPr/>
+          <p:nvPr/>
+        </p:nvSpPr>
+        <p:spPr>
+          <a:xfrm>
+            <a:off x="2095948" y="2341220"/>
+            <a:ext cx="1093635" cy="346760"/>
+          </a:xfrm>
+          <a:prstGeom prst="rect">
+            <a:avLst/>
+          </a:prstGeom>
+          <a:ln w="19050">
+            <a:solidFill>
+              <a:schemeClr val="accent3"/>
+            </a:solidFill>
+          </a:ln>
+          <a:effectLst/>
+        </p:spPr>
+        <p:style>
+          <a:lnRef idx="1">
+            <a:schemeClr val="accent3"/>
+          </a:lnRef>
+          <a:fillRef idx="2">
+            <a:schemeClr val="accent3"/>
+          </a:fillRef>
+          <a:effectRef idx="1">
+            <a:schemeClr val="accent3"/>
+          </a:effectRef>
+          <a:fontRef idx="minor">
+            <a:schemeClr val="dk1"/>
+          </a:fontRef>
+        </p:style>
+        <p:txBody>
+          <a:bodyPr rtlCol="0" anchor="ctr"/>
+          <a:lstStyle/>
+          <a:p>
+            <a:pPr algn="ctr"/>
+            <a:r>
+              <a:rPr lang="en-US" sz="1050" b="1" dirty="0" err="1">
+                <a:solidFill>
+                  <a:schemeClr val="accent3">
+                    <a:lumMod val="75000"/>
+                  </a:schemeClr>
+                </a:solidFill>
+              </a:rPr>
+              <a:t>MainWindow</a:t>
+            </a:r>
+            <a:endParaRPr lang="en-SG" sz="1050" b="1" dirty="0">
+              <a:solidFill>
+                <a:schemeClr val="accent3">
+                  <a:lumMod val="75000"/>
+                </a:schemeClr>
+              </a:solidFill>
+            </a:endParaRPr>
+          </a:p>
+        </p:txBody>
+      </p:sp>
+      <p:sp>
+        <p:nvSpPr>
+          <p:cNvPr id="3" name="Rectangle 11"/>
+          <p:cNvSpPr/>
+          <p:nvPr/>
+        </p:nvSpPr>
+        <p:spPr>
+          <a:xfrm>
+            <a:off x="2592528" y="2971800"/>
+            <a:ext cx="1093635" cy="236841"/>
+          </a:xfrm>
+          <a:prstGeom prst="rect">
+            <a:avLst/>
+          </a:prstGeom>
+          <a:ln w="19050">
+            <a:solidFill>
+              <a:schemeClr val="accent3"/>
+            </a:solidFill>
+          </a:ln>
+          <a:effectLst/>
+        </p:spPr>
+        <p:style>
+          <a:lnRef idx="1">
+            <a:schemeClr val="accent3"/>
+          </a:lnRef>
+          <a:fillRef idx="2">
+            <a:schemeClr val="accent3"/>
+          </a:fillRef>
+          <a:effectRef idx="1">
+            <a:schemeClr val="accent3"/>
+          </a:effectRef>
+          <a:fontRef idx="minor">
+            <a:schemeClr val="dk1"/>
+          </a:fontRef>
+        </p:style>
+        <p:txBody>
+          <a:bodyPr rtlCol="0" anchor="ctr"/>
+          <a:lstStyle/>
+          <a:p>
+            <a:pPr algn="ctr"/>
+            <a:r>
+              <a:rPr lang="en-US" sz="1050" b="1" dirty="0" err="1">
+                <a:solidFill>
+                  <a:schemeClr val="accent3">
+                    <a:lumMod val="75000"/>
+                  </a:schemeClr>
+                </a:solidFill>
+              </a:rPr>
+              <a:t>CommandBox</a:t>
+            </a:r>
+            <a:endParaRPr lang="en-SG" sz="1050" b="1" dirty="0">
+              <a:solidFill>
+                <a:schemeClr val="accent3">
+                  <a:lumMod val="75000"/>
+                </a:schemeClr>
+              </a:solidFill>
+            </a:endParaRPr>
+          </a:p>
+        </p:txBody>
+      </p:sp>
+      <p:sp>
+        <p:nvSpPr>
+          <p:cNvPr id="9" name="Rectangle 62"/>
+          <p:cNvSpPr/>
+          <p:nvPr/>
+        </p:nvSpPr>
+        <p:spPr>
+          <a:xfrm>
+            <a:off x="2092842" y="1770924"/>
+            <a:ext cx="1093635" cy="346760"/>
+          </a:xfrm>
+          <a:prstGeom prst="rect">
+            <a:avLst/>
+          </a:prstGeom>
+          <a:solidFill>
+            <a:srgbClr val="00B050"/>
+          </a:solidFill>
+          <a:ln w="19050">
+            <a:solidFill>
+              <a:srgbClr val="00B050"/>
+            </a:solidFill>
+          </a:ln>
+          <a:effectLst/>
+        </p:spPr>
+        <p:style>
+          <a:lnRef idx="1">
+            <a:schemeClr val="accent2"/>
+          </a:lnRef>
+          <a:fillRef idx="2">
+            <a:schemeClr val="accent2"/>
+          </a:fillRef>
+          <a:effectRef idx="1">
+            <a:schemeClr val="accent2"/>
+          </a:effectRef>
+          <a:fontRef idx="minor">
+            <a:schemeClr val="dk1"/>
+          </a:fontRef>
+        </p:style>
+        <p:txBody>
+          <a:bodyPr rtlCol="0" anchor="ctr"/>
+          <a:lstStyle/>
+          <a:p>
+            <a:pPr algn="ctr"/>
+            <a:r>
+              <a:rPr lang="en-US" sz="1050" dirty="0" err="1">
+                <a:solidFill>
+                  <a:schemeClr val="bg1"/>
+                </a:solidFill>
+              </a:rPr>
+              <a:t>UiManager</a:t>
+            </a:r>
+            <a:endParaRPr lang="en-SG" sz="1050" dirty="0">
+              <a:solidFill>
+                <a:schemeClr val="bg1"/>
+              </a:solidFill>
+            </a:endParaRPr>
+          </a:p>
+        </p:txBody>
+      </p:sp>
+      <p:cxnSp>
+        <p:nvCxnSpPr>
+          <p:cNvPr id="10" name="Elbow Connector 63"/>
+          <p:cNvCxnSpPr>
+            <a:stCxn id="9" idx="2"/>
+            <a:endCxn id="2" idx="0"/>
+          </p:cNvCxnSpPr>
+          <p:nvPr/>
+        </p:nvCxnSpPr>
+        <p:spPr>
+          <a:xfrm rot="16200000" flipH="1">
+            <a:off x="2529445" y="2227899"/>
+            <a:ext cx="223536" cy="3106"/>
+          </a:xfrm>
+          <a:prstGeom prst="bentConnector3">
+            <a:avLst>
+              <a:gd name="adj1" fmla="val 50000"/>
+            </a:avLst>
+          </a:prstGeom>
+          <a:ln w="19050">
+            <a:solidFill>
+              <a:srgbClr val="00B050"/>
+            </a:solidFill>
+            <a:headEnd type="none" w="med" len="med"/>
+            <a:tailEnd type="arrow" w="med" len="med"/>
+          </a:ln>
+          <a:effectLst/>
+        </p:spPr>
+        <p:style>
+          <a:lnRef idx="1">
+            <a:schemeClr val="accent2"/>
+          </a:lnRef>
+          <a:fillRef idx="2">
+            <a:schemeClr val="accent2"/>
+          </a:fillRef>
+          <a:effectRef idx="1">
+            <a:schemeClr val="accent2"/>
+          </a:effectRef>
+          <a:fontRef idx="minor">
+            <a:schemeClr val="dk1"/>
+          </a:fontRef>
+        </p:style>
+      </p:cxnSp>
+      <p:sp>
+        <p:nvSpPr>
+          <p:cNvPr id="16" name="Isosceles Triangle 102"/>
+          <p:cNvSpPr/>
+          <p:nvPr/>
+        </p:nvSpPr>
+        <p:spPr>
+          <a:xfrm rot="10800000" flipV="1">
+            <a:off x="6147445" y="2105517"/>
+            <a:ext cx="270504" cy="175523"/>
+          </a:xfrm>
+          <a:prstGeom prst="triangle">
+            <a:avLst/>
+          </a:prstGeom>
+          <a:ln w="6350">
+            <a:solidFill>
+              <a:schemeClr val="accent3"/>
+            </a:solidFill>
+          </a:ln>
+          <a:effectLst/>
+        </p:spPr>
+        <p:style>
+          <a:lnRef idx="1">
+            <a:schemeClr val="accent3"/>
+          </a:lnRef>
+          <a:fillRef idx="2">
+            <a:schemeClr val="accent3"/>
+          </a:fillRef>
+          <a:effectRef idx="1">
+            <a:schemeClr val="accent3"/>
+          </a:effectRef>
+          <a:fontRef idx="minor">
+            <a:schemeClr val="dk1"/>
+          </a:fontRef>
+        </p:style>
+        <p:txBody>
+          <a:bodyPr rtlCol="0" anchor="ctr"/>
+          <a:lstStyle/>
+          <a:p>
+            <a:pPr algn="ctr"/>
+            <a:endParaRPr lang="en-SG" sz="1050" b="1">
+              <a:solidFill>
+                <a:srgbClr val="92D050"/>
+              </a:solidFill>
+            </a:endParaRPr>
+          </a:p>
+        </p:txBody>
+      </p:sp>
+      <p:cxnSp>
+        <p:nvCxnSpPr>
+          <p:cNvPr id="19" name="Elbow Connector 122"/>
+          <p:cNvCxnSpPr/>
+          <p:nvPr/>
+        </p:nvCxnSpPr>
+        <p:spPr>
+          <a:xfrm flipV="1">
+            <a:off x="644735" y="2991937"/>
+            <a:ext cx="684904" cy="1"/>
+          </a:xfrm>
+          <a:prstGeom prst="bentConnector3">
+            <a:avLst>
+              <a:gd name="adj1" fmla="val 50000"/>
+            </a:avLst>
+          </a:prstGeom>
+          <a:ln w="19050">
+            <a:solidFill>
+              <a:schemeClr val="bg1">
+                <a:lumMod val="75000"/>
+              </a:schemeClr>
+            </a:solidFill>
+            <a:prstDash val="sysDot"/>
+            <a:headEnd type="none" w="med" len="med"/>
+            <a:tailEnd type="arrow" w="med" len="med"/>
+          </a:ln>
+          <a:effectLst/>
+        </p:spPr>
+        <p:style>
+          <a:lnRef idx="1">
+            <a:schemeClr val="accent2"/>
+          </a:lnRef>
+          <a:fillRef idx="2">
+            <a:schemeClr val="accent2"/>
+          </a:fillRef>
+          <a:effectRef idx="1">
+            <a:schemeClr val="accent2"/>
+          </a:effectRef>
+          <a:fontRef idx="minor">
+            <a:schemeClr val="dk1"/>
+          </a:fontRef>
+        </p:style>
+      </p:cxnSp>
+      <p:sp>
+        <p:nvSpPr>
+          <p:cNvPr id="22" name="Rectangle 65"/>
+          <p:cNvSpPr/>
+          <p:nvPr/>
+        </p:nvSpPr>
+        <p:spPr>
+          <a:xfrm rot="16200000">
+            <a:off x="6311657" y="2451387"/>
+            <a:ext cx="2362201" cy="328045"/>
+          </a:xfrm>
+          <a:prstGeom prst="roundRect">
+            <a:avLst/>
+          </a:prstGeom>
+          <a:solidFill>
+            <a:schemeClr val="accent1">
+              <a:lumMod val="20000"/>
+              <a:lumOff val="80000"/>
+            </a:schemeClr>
+          </a:solidFill>
+          <a:ln w="19050">
+            <a:noFill/>
+          </a:ln>
+          <a:effectLst/>
+        </p:spPr>
+        <p:style>
+          <a:lnRef idx="1">
+            <a:schemeClr val="accent2"/>
+          </a:lnRef>
+          <a:fillRef idx="2">
+            <a:schemeClr val="accent2"/>
+          </a:fillRef>
+          <a:effectRef idx="1">
+            <a:schemeClr val="accent2"/>
+          </a:effectRef>
+          <a:fontRef idx="minor">
+            <a:schemeClr val="dk1"/>
+          </a:fontRef>
+        </p:style>
+        <p:txBody>
+          <a:bodyPr rtlCol="0" anchor="ctr"/>
+          <a:lstStyle/>
+          <a:p>
+            <a:pPr algn="ctr"/>
+            <a:r>
+              <a:rPr lang="en-US" sz="1100" b="1" dirty="0">
+                <a:solidFill>
+                  <a:schemeClr val="bg1"/>
+                </a:solidFill>
+              </a:rPr>
+              <a:t>Logic</a:t>
+            </a:r>
+            <a:endParaRPr lang="en-SG" sz="1100" b="1" dirty="0">
+              <a:solidFill>
+                <a:schemeClr val="bg1"/>
+              </a:solidFill>
+            </a:endParaRPr>
+          </a:p>
+        </p:txBody>
+      </p:sp>
+      <p:sp>
+        <p:nvSpPr>
+          <p:cNvPr id="34" name="Rectangle 11"/>
+          <p:cNvSpPr/>
+          <p:nvPr/>
+        </p:nvSpPr>
+        <p:spPr>
+          <a:xfrm>
+            <a:off x="2592528" y="3649359"/>
+            <a:ext cx="1093635" cy="236841"/>
+          </a:xfrm>
+          <a:prstGeom prst="rect">
+            <a:avLst/>
+          </a:prstGeom>
+          <a:ln w="19050">
+            <a:solidFill>
+              <a:schemeClr val="accent3"/>
+            </a:solidFill>
+          </a:ln>
+          <a:effectLst/>
+        </p:spPr>
+        <p:style>
+          <a:lnRef idx="1">
+            <a:schemeClr val="accent3"/>
+          </a:lnRef>
+          <a:fillRef idx="2">
+            <a:schemeClr val="accent3"/>
+          </a:fillRef>
+          <a:effectRef idx="1">
+            <a:schemeClr val="accent3"/>
+          </a:effectRef>
+          <a:fontRef idx="minor">
+            <a:schemeClr val="dk1"/>
+          </a:fontRef>
+        </p:style>
+        <p:txBody>
+          <a:bodyPr rtlCol="0" anchor="ctr"/>
+          <a:lstStyle/>
+          <a:p>
+            <a:pPr algn="ctr"/>
+            <a:r>
+              <a:rPr lang="en-US" sz="1050" b="1" dirty="0" err="1">
+                <a:solidFill>
+                  <a:schemeClr val="accent3">
+                    <a:lumMod val="75000"/>
+                  </a:schemeClr>
+                </a:solidFill>
+              </a:rPr>
+              <a:t>LoginPanel</a:t>
+            </a:r>
+            <a:endParaRPr lang="en-SG" sz="1050" b="1" dirty="0">
+              <a:solidFill>
+                <a:schemeClr val="accent3">
+                  <a:lumMod val="75000"/>
+                </a:schemeClr>
+              </a:solidFill>
+            </a:endParaRPr>
+          </a:p>
+        </p:txBody>
+      </p:sp>
+      <p:sp>
+        <p:nvSpPr>
+          <p:cNvPr id="35" name="Rectangle 11"/>
+          <p:cNvSpPr/>
+          <p:nvPr/>
+        </p:nvSpPr>
+        <p:spPr>
+          <a:xfrm>
+            <a:off x="2592527" y="5064363"/>
+            <a:ext cx="1093635" cy="236841"/>
+          </a:xfrm>
+          <a:prstGeom prst="rect">
+            <a:avLst/>
+          </a:prstGeom>
+          <a:ln w="19050">
+            <a:solidFill>
+              <a:schemeClr val="accent3"/>
+            </a:solidFill>
+          </a:ln>
+          <a:effectLst/>
+        </p:spPr>
+        <p:style>
+          <a:lnRef idx="1">
+            <a:schemeClr val="accent3"/>
+          </a:lnRef>
+          <a:fillRef idx="2">
+            <a:schemeClr val="accent3"/>
+          </a:fillRef>
+          <a:effectRef idx="1">
+            <a:schemeClr val="accent3"/>
+          </a:effectRef>
+          <a:fontRef idx="minor">
+            <a:schemeClr val="dk1"/>
+          </a:fontRef>
+        </p:style>
+        <p:txBody>
+          <a:bodyPr rtlCol="0" anchor="ctr"/>
+          <a:lstStyle/>
+          <a:p>
+            <a:pPr algn="ctr"/>
+            <a:r>
+              <a:rPr lang="en-US" sz="1050" b="1" dirty="0" err="1">
+                <a:solidFill>
+                  <a:schemeClr val="accent3">
+                    <a:lumMod val="75000"/>
+                  </a:schemeClr>
+                </a:solidFill>
+              </a:rPr>
+              <a:t>StatusBarFooter</a:t>
+            </a:r>
+            <a:endParaRPr lang="en-SG" sz="1050" b="1" dirty="0">
+              <a:solidFill>
+                <a:schemeClr val="accent3">
+                  <a:lumMod val="75000"/>
+                </a:schemeClr>
+              </a:solidFill>
+            </a:endParaRPr>
+          </a:p>
+        </p:txBody>
+      </p:sp>
+      <p:sp>
+        <p:nvSpPr>
+          <p:cNvPr id="36" name="Rectangle 11"/>
+          <p:cNvSpPr/>
+          <p:nvPr/>
+        </p:nvSpPr>
+        <p:spPr>
+          <a:xfrm>
+            <a:off x="2592526" y="3991960"/>
+            <a:ext cx="1093635" cy="236841"/>
+          </a:xfrm>
+          <a:prstGeom prst="rect">
+            <a:avLst/>
+          </a:prstGeom>
+          <a:ln w="19050">
+            <a:solidFill>
+              <a:schemeClr val="accent3"/>
+            </a:solidFill>
+          </a:ln>
+          <a:effectLst/>
+        </p:spPr>
+        <p:style>
+          <a:lnRef idx="1">
+            <a:schemeClr val="accent3"/>
+          </a:lnRef>
+          <a:fillRef idx="2">
+            <a:schemeClr val="accent3"/>
+          </a:fillRef>
+          <a:effectRef idx="1">
+            <a:schemeClr val="accent3"/>
+          </a:effectRef>
+          <a:fontRef idx="minor">
+            <a:schemeClr val="dk1"/>
+          </a:fontRef>
+        </p:style>
+        <p:txBody>
+          <a:bodyPr rtlCol="0" anchor="ctr"/>
+          <a:lstStyle/>
+          <a:p>
+            <a:pPr algn="ctr"/>
+            <a:r>
+              <a:rPr lang="en-US" sz="1050" b="1" dirty="0">
+                <a:solidFill>
+                  <a:schemeClr val="accent3">
+                    <a:lumMod val="75000"/>
+                  </a:schemeClr>
+                </a:solidFill>
+              </a:rPr>
+              <a:t>Dashboard</a:t>
+            </a:r>
+            <a:endParaRPr lang="en-SG" sz="1050" b="1" dirty="0">
+              <a:solidFill>
+                <a:schemeClr val="accent3">
+                  <a:lumMod val="75000"/>
+                </a:schemeClr>
+              </a:solidFill>
+            </a:endParaRPr>
+          </a:p>
+        </p:txBody>
+      </p:sp>
+      <p:sp>
+        <p:nvSpPr>
+          <p:cNvPr id="38" name="Rectangle 11"/>
+          <p:cNvSpPr/>
+          <p:nvPr/>
+        </p:nvSpPr>
+        <p:spPr>
+          <a:xfrm>
+            <a:off x="2591173" y="5427366"/>
+            <a:ext cx="1093635" cy="236841"/>
+          </a:xfrm>
+          <a:prstGeom prst="rect">
+            <a:avLst/>
+          </a:prstGeom>
+          <a:ln w="19050">
+            <a:solidFill>
+              <a:schemeClr val="accent3"/>
+            </a:solidFill>
+          </a:ln>
+          <a:effectLst/>
+        </p:spPr>
+        <p:style>
+          <a:lnRef idx="1">
+            <a:schemeClr val="accent3"/>
+          </a:lnRef>
+          <a:fillRef idx="2">
+            <a:schemeClr val="accent3"/>
+          </a:fillRef>
+          <a:effectRef idx="1">
+            <a:schemeClr val="accent3"/>
+          </a:effectRef>
+          <a:fontRef idx="minor">
+            <a:schemeClr val="dk1"/>
+          </a:fontRef>
+        </p:style>
+        <p:txBody>
+          <a:bodyPr rtlCol="0" anchor="ctr"/>
+          <a:lstStyle/>
+          <a:p>
+            <a:pPr algn="ctr"/>
+            <a:r>
+              <a:rPr lang="en-US" sz="1050" b="1" dirty="0" err="1">
+                <a:solidFill>
+                  <a:schemeClr val="accent3">
+                    <a:lumMod val="75000"/>
+                  </a:schemeClr>
+                </a:solidFill>
+              </a:rPr>
+              <a:t>HelpWindow</a:t>
+            </a:r>
+            <a:endParaRPr lang="en-SG" sz="1050" b="1" dirty="0">
+              <a:solidFill>
+                <a:schemeClr val="accent3">
+                  <a:lumMod val="75000"/>
+                </a:schemeClr>
+              </a:solidFill>
+            </a:endParaRPr>
+          </a:p>
+        </p:txBody>
+      </p:sp>
+      <p:sp>
+        <p:nvSpPr>
+          <p:cNvPr id="39" name="Flowchart: Decision 38"/>
+          <p:cNvSpPr/>
+          <p:nvPr/>
+        </p:nvSpPr>
+        <p:spPr>
+          <a:xfrm>
+            <a:off x="2324548" y="2706452"/>
+            <a:ext cx="183156" cy="161573"/>
+          </a:xfrm>
+          <a:prstGeom prst="flowChartDecision">
+            <a:avLst/>
+          </a:prstGeom>
+          <a:solidFill>
+            <a:schemeClr val="accent3"/>
+          </a:solidFill>
+          <a:ln>
+            <a:solidFill>
+              <a:schemeClr val="accent3"/>
+            </a:solidFill>
+          </a:ln>
+        </p:spPr>
+        <p:style>
+          <a:lnRef idx="2">
+            <a:schemeClr val="accent1">
+              <a:shade val="50000"/>
+            </a:schemeClr>
+          </a:lnRef>
+          <a:fillRef idx="1">
+            <a:schemeClr val="accent1"/>
+          </a:fillRef>
+          <a:effectRef idx="0">
+            <a:schemeClr val="accent1"/>
+          </a:effectRef>
+          <a:fontRef idx="minor">
+            <a:schemeClr val="lt1"/>
+          </a:fontRef>
+        </p:style>
+        <p:txBody>
+          <a:bodyPr rtlCol="0" anchor="ctr"/>
+          <a:lstStyle/>
+          <a:p>
+            <a:pPr algn="ctr"/>
+            <a:endParaRPr lang="en-SG"/>
+          </a:p>
+        </p:txBody>
+      </p:sp>
+      <p:cxnSp>
+        <p:nvCxnSpPr>
+          <p:cNvPr id="40" name="Elbow Connector 63"/>
+          <p:cNvCxnSpPr>
+            <a:stCxn id="39" idx="2"/>
+            <a:endCxn id="3" idx="1"/>
+          </p:cNvCxnSpPr>
+          <p:nvPr/>
+        </p:nvCxnSpPr>
+        <p:spPr>
+          <a:xfrm rot="16200000" flipH="1">
+            <a:off x="2393229" y="2890922"/>
+            <a:ext cx="222196" cy="176402"/>
+          </a:xfrm>
+          <a:prstGeom prst="bentConnector2">
+            <a:avLst/>
+          </a:prstGeom>
+          <a:ln w="19050">
+            <a:solidFill>
+              <a:schemeClr val="accent3"/>
+            </a:solidFill>
+            <a:headEnd type="none" w="med" len="med"/>
+            <a:tailEnd type="arrow" w="med" len="med"/>
+          </a:ln>
+          <a:effectLst/>
+        </p:spPr>
+        <p:style>
+          <a:lnRef idx="1">
+            <a:schemeClr val="accent2"/>
+          </a:lnRef>
+          <a:fillRef idx="2">
+            <a:schemeClr val="accent2"/>
+          </a:fillRef>
+          <a:effectRef idx="1">
+            <a:schemeClr val="accent2"/>
+          </a:effectRef>
+          <a:fontRef idx="minor">
+            <a:schemeClr val="dk1"/>
+          </a:fontRef>
+        </p:style>
+      </p:cxnSp>
+      <p:sp>
+        <p:nvSpPr>
+          <p:cNvPr id="43" name="Rectangle 11"/>
+          <p:cNvSpPr/>
+          <p:nvPr/>
+        </p:nvSpPr>
+        <p:spPr>
+          <a:xfrm>
+            <a:off x="2590799" y="3304308"/>
+            <a:ext cx="1095361" cy="236841"/>
+          </a:xfrm>
+          <a:prstGeom prst="rect">
+            <a:avLst/>
+          </a:prstGeom>
+          <a:ln w="19050">
+            <a:solidFill>
+              <a:schemeClr val="accent3"/>
+            </a:solidFill>
+          </a:ln>
+          <a:effectLst/>
+        </p:spPr>
+        <p:style>
+          <a:lnRef idx="1">
+            <a:schemeClr val="accent3"/>
+          </a:lnRef>
+          <a:fillRef idx="2">
+            <a:schemeClr val="accent3"/>
+          </a:fillRef>
+          <a:effectRef idx="1">
+            <a:schemeClr val="accent3"/>
+          </a:effectRef>
+          <a:fontRef idx="minor">
+            <a:schemeClr val="dk1"/>
+          </a:fontRef>
+        </p:style>
+        <p:txBody>
+          <a:bodyPr rtlCol="0" anchor="ctr"/>
+          <a:lstStyle/>
+          <a:p>
+            <a:pPr algn="ctr"/>
+            <a:r>
+              <a:rPr lang="en-US" sz="1050" b="1" dirty="0" err="1">
+                <a:solidFill>
+                  <a:schemeClr val="accent3">
+                    <a:lumMod val="75000"/>
+                  </a:schemeClr>
+                </a:solidFill>
+              </a:rPr>
+              <a:t>ResultDisplay</a:t>
+            </a:r>
+            <a:endParaRPr lang="en-SG" sz="1050" b="1" dirty="0">
+              <a:solidFill>
+                <a:schemeClr val="accent3">
+                  <a:lumMod val="75000"/>
+                </a:schemeClr>
+              </a:solidFill>
+            </a:endParaRPr>
+          </a:p>
+        </p:txBody>
+      </p:sp>
+      <p:cxnSp>
+        <p:nvCxnSpPr>
+          <p:cNvPr id="44" name="Elbow Connector 63"/>
+          <p:cNvCxnSpPr>
+            <a:stCxn id="39" idx="2"/>
+            <a:endCxn id="34" idx="1"/>
+          </p:cNvCxnSpPr>
+          <p:nvPr/>
+        </p:nvCxnSpPr>
+        <p:spPr>
+          <a:xfrm rot="16200000" flipH="1">
+            <a:off x="2054450" y="3229701"/>
+            <a:ext cx="899755" cy="176402"/>
+          </a:xfrm>
+          <a:prstGeom prst="bentConnector2">
+            <a:avLst/>
+          </a:prstGeom>
+          <a:ln w="19050">
+            <a:solidFill>
+              <a:schemeClr val="accent3"/>
+            </a:solidFill>
+            <a:headEnd type="none" w="med" len="med"/>
+            <a:tailEnd type="arrow" w="med" len="med"/>
+          </a:ln>
+          <a:effectLst/>
+        </p:spPr>
+        <p:style>
+          <a:lnRef idx="1">
+            <a:schemeClr val="accent2"/>
+          </a:lnRef>
+          <a:fillRef idx="2">
+            <a:schemeClr val="accent2"/>
+          </a:fillRef>
+          <a:effectRef idx="1">
+            <a:schemeClr val="accent2"/>
+          </a:effectRef>
+          <a:fontRef idx="minor">
+            <a:schemeClr val="dk1"/>
+          </a:fontRef>
+        </p:style>
+      </p:cxnSp>
+      <p:cxnSp>
+        <p:nvCxnSpPr>
+          <p:cNvPr id="47" name="Elbow Connector 63"/>
+          <p:cNvCxnSpPr>
+            <a:cxnSpLocks/>
+            <a:stCxn id="39" idx="2"/>
+            <a:endCxn id="36" idx="1"/>
+          </p:cNvCxnSpPr>
+          <p:nvPr/>
+        </p:nvCxnSpPr>
+        <p:spPr>
+          <a:xfrm rot="16200000" flipH="1">
+            <a:off x="1883148" y="3401003"/>
+            <a:ext cx="1242356" cy="176400"/>
+          </a:xfrm>
+          <a:prstGeom prst="bentConnector2">
+            <a:avLst/>
+          </a:prstGeom>
+          <a:ln w="19050">
+            <a:solidFill>
+              <a:schemeClr val="accent3"/>
+            </a:solidFill>
+            <a:headEnd type="none" w="med" len="med"/>
+            <a:tailEnd type="arrow" w="med" len="med"/>
+          </a:ln>
+          <a:effectLst/>
+        </p:spPr>
+        <p:style>
+          <a:lnRef idx="1">
+            <a:schemeClr val="accent2"/>
+          </a:lnRef>
+          <a:fillRef idx="2">
+            <a:schemeClr val="accent2"/>
+          </a:fillRef>
+          <a:effectRef idx="1">
+            <a:schemeClr val="accent2"/>
+          </a:effectRef>
+          <a:fontRef idx="minor">
+            <a:schemeClr val="dk1"/>
+          </a:fontRef>
+        </p:style>
+      </p:cxnSp>
+      <p:cxnSp>
+        <p:nvCxnSpPr>
+          <p:cNvPr id="50" name="Elbow Connector 63"/>
+          <p:cNvCxnSpPr>
+            <a:cxnSpLocks/>
+            <a:stCxn id="39" idx="2"/>
+            <a:endCxn id="35" idx="1"/>
+          </p:cNvCxnSpPr>
+          <p:nvPr/>
+        </p:nvCxnSpPr>
+        <p:spPr>
+          <a:xfrm rot="16200000" flipH="1">
+            <a:off x="1346947" y="3937203"/>
+            <a:ext cx="2314759" cy="176401"/>
+          </a:xfrm>
+          <a:prstGeom prst="bentConnector2">
+            <a:avLst/>
+          </a:prstGeom>
+          <a:ln w="19050">
+            <a:solidFill>
+              <a:schemeClr val="accent3"/>
+            </a:solidFill>
+            <a:headEnd type="none" w="med" len="med"/>
+            <a:tailEnd type="arrow" w="med" len="med"/>
+          </a:ln>
+          <a:effectLst/>
+        </p:spPr>
+        <p:style>
+          <a:lnRef idx="1">
+            <a:schemeClr val="accent2"/>
+          </a:lnRef>
+          <a:fillRef idx="2">
+            <a:schemeClr val="accent2"/>
+          </a:fillRef>
+          <a:effectRef idx="1">
+            <a:schemeClr val="accent2"/>
+          </a:effectRef>
+          <a:fontRef idx="minor">
+            <a:schemeClr val="dk1"/>
+          </a:fontRef>
+        </p:style>
+      </p:cxnSp>
+      <p:cxnSp>
+        <p:nvCxnSpPr>
+          <p:cNvPr id="53" name="Elbow Connector 63"/>
+          <p:cNvCxnSpPr>
+            <a:cxnSpLocks/>
+            <a:endCxn id="38" idx="1"/>
+          </p:cNvCxnSpPr>
+          <p:nvPr/>
+        </p:nvCxnSpPr>
+        <p:spPr>
+          <a:xfrm rot="16200000" flipH="1">
+            <a:off x="980821" y="3935434"/>
+            <a:ext cx="2839333" cy="381371"/>
+          </a:xfrm>
+          <a:prstGeom prst="bentConnector2">
+            <a:avLst/>
+          </a:prstGeom>
+          <a:ln w="19050">
+            <a:solidFill>
+              <a:schemeClr val="accent3"/>
+            </a:solidFill>
+            <a:headEnd type="none" w="med" len="med"/>
+            <a:tailEnd type="arrow" w="med" len="med"/>
+          </a:ln>
+          <a:effectLst/>
+        </p:spPr>
+        <p:style>
+          <a:lnRef idx="1">
+            <a:schemeClr val="accent2"/>
+          </a:lnRef>
+          <a:fillRef idx="2">
+            <a:schemeClr val="accent2"/>
+          </a:fillRef>
+          <a:effectRef idx="1">
+            <a:schemeClr val="accent2"/>
+          </a:effectRef>
+          <a:fontRef idx="minor">
+            <a:schemeClr val="dk1"/>
+          </a:fontRef>
+        </p:style>
+      </p:cxnSp>
+      <p:sp>
+        <p:nvSpPr>
+          <p:cNvPr id="73" name="Rectangle 62"/>
+          <p:cNvSpPr/>
+          <p:nvPr/>
+        </p:nvSpPr>
+        <p:spPr>
+          <a:xfrm>
+            <a:off x="5699664" y="1752673"/>
+            <a:ext cx="772043" cy="346760"/>
+          </a:xfrm>
+          <a:prstGeom prst="rect">
+            <a:avLst/>
+          </a:prstGeom>
+          <a:ln w="6350">
+            <a:solidFill>
+              <a:schemeClr val="accent3"/>
+            </a:solidFill>
+          </a:ln>
+          <a:effectLst/>
+        </p:spPr>
+        <p:style>
+          <a:lnRef idx="1">
+            <a:schemeClr val="accent3"/>
+          </a:lnRef>
+          <a:fillRef idx="2">
+            <a:schemeClr val="accent3"/>
+          </a:fillRef>
+          <a:effectRef idx="1">
+            <a:schemeClr val="accent3"/>
+          </a:effectRef>
+          <a:fontRef idx="minor">
+            <a:schemeClr val="dk1"/>
+          </a:fontRef>
+        </p:style>
+        <p:txBody>
+          <a:bodyPr rtlCol="0" anchor="ctr"/>
+          <a:lstStyle/>
+          <a:p>
+            <a:pPr algn="ctr"/>
+            <a:r>
+              <a:rPr lang="en-US" sz="1050" b="1" dirty="0">
+                <a:solidFill>
+                  <a:schemeClr val="accent3">
+                    <a:lumMod val="75000"/>
+                  </a:schemeClr>
+                </a:solidFill>
+              </a:rPr>
+              <a:t>{abstract}</a:t>
+            </a:r>
+            <a:br>
+              <a:rPr lang="en-US" sz="1050" b="1" dirty="0">
+                <a:solidFill>
+                  <a:schemeClr val="accent3">
+                    <a:lumMod val="75000"/>
+                  </a:schemeClr>
+                </a:solidFill>
+              </a:rPr>
+            </a:br>
+            <a:r>
+              <a:rPr lang="en-US" sz="1050" b="1" dirty="0" err="1">
+                <a:solidFill>
+                  <a:schemeClr val="accent3">
+                    <a:lumMod val="75000"/>
+                  </a:schemeClr>
+                </a:solidFill>
+              </a:rPr>
+              <a:t>UiPart</a:t>
+            </a:r>
+            <a:endParaRPr lang="en-SG" sz="1050" b="1" dirty="0">
+              <a:solidFill>
+                <a:schemeClr val="accent3">
+                  <a:lumMod val="75000"/>
+                </a:schemeClr>
+              </a:solidFill>
+            </a:endParaRPr>
+          </a:p>
+        </p:txBody>
+      </p:sp>
+      <p:cxnSp>
+        <p:nvCxnSpPr>
+          <p:cNvPr id="74" name="Elbow Connector 63"/>
+          <p:cNvCxnSpPr>
+            <a:stCxn id="43" idx="3"/>
+            <a:endCxn id="16" idx="3"/>
+          </p:cNvCxnSpPr>
+          <p:nvPr/>
+        </p:nvCxnSpPr>
+        <p:spPr>
+          <a:xfrm flipV="1">
+            <a:off x="3686160" y="2281040"/>
+            <a:ext cx="2596537" cy="1141689"/>
+          </a:xfrm>
+          <a:prstGeom prst="bentConnector2">
+            <a:avLst/>
+          </a:prstGeom>
+          <a:ln w="6350">
+            <a:solidFill>
+              <a:schemeClr val="accent3"/>
+            </a:solidFill>
+            <a:headEnd type="none" w="med" len="med"/>
+            <a:tailEnd type="none" w="med" len="med"/>
+          </a:ln>
+          <a:effectLst/>
+        </p:spPr>
+        <p:style>
+          <a:lnRef idx="1">
+            <a:schemeClr val="accent2"/>
+          </a:lnRef>
+          <a:fillRef idx="2">
+            <a:schemeClr val="accent2"/>
+          </a:fillRef>
+          <a:effectRef idx="1">
+            <a:schemeClr val="accent2"/>
+          </a:effectRef>
+          <a:fontRef idx="minor">
+            <a:schemeClr val="dk1"/>
+          </a:fontRef>
+        </p:style>
+      </p:cxnSp>
+      <p:cxnSp>
+        <p:nvCxnSpPr>
+          <p:cNvPr id="82" name="Elbow Connector 63"/>
+          <p:cNvCxnSpPr>
+            <a:stCxn id="16" idx="3"/>
+            <a:endCxn id="34" idx="3"/>
+          </p:cNvCxnSpPr>
+          <p:nvPr/>
+        </p:nvCxnSpPr>
+        <p:spPr>
+          <a:xfrm rot="5400000">
+            <a:off x="4241060" y="1726143"/>
+            <a:ext cx="1486740" cy="2596534"/>
+          </a:xfrm>
+          <a:prstGeom prst="bentConnector2">
+            <a:avLst/>
+          </a:prstGeom>
+          <a:ln w="6350">
+            <a:solidFill>
+              <a:schemeClr val="accent3"/>
+            </a:solidFill>
+            <a:headEnd type="none" w="med" len="med"/>
+            <a:tailEnd type="none" w="med" len="med"/>
+          </a:ln>
+          <a:effectLst/>
+        </p:spPr>
+        <p:style>
+          <a:lnRef idx="1">
+            <a:schemeClr val="accent2"/>
+          </a:lnRef>
+          <a:fillRef idx="2">
+            <a:schemeClr val="accent2"/>
+          </a:fillRef>
+          <a:effectRef idx="1">
+            <a:schemeClr val="accent2"/>
+          </a:effectRef>
+          <a:fontRef idx="minor">
+            <a:schemeClr val="dk1"/>
+          </a:fontRef>
+        </p:style>
+      </p:cxnSp>
+      <p:cxnSp>
+        <p:nvCxnSpPr>
+          <p:cNvPr id="88" name="Elbow Connector 63"/>
+          <p:cNvCxnSpPr>
+            <a:stCxn id="2" idx="3"/>
+            <a:endCxn id="16" idx="3"/>
+          </p:cNvCxnSpPr>
+          <p:nvPr/>
+        </p:nvCxnSpPr>
+        <p:spPr>
+          <a:xfrm flipV="1">
+            <a:off x="3189583" y="2281040"/>
+            <a:ext cx="3093114" cy="233560"/>
+          </a:xfrm>
+          <a:prstGeom prst="bentConnector2">
+            <a:avLst/>
+          </a:prstGeom>
+          <a:ln w="6350">
+            <a:solidFill>
+              <a:schemeClr val="accent3"/>
+            </a:solidFill>
+            <a:headEnd type="none" w="med" len="med"/>
+            <a:tailEnd type="none" w="med" len="med"/>
+          </a:ln>
+          <a:effectLst/>
+        </p:spPr>
+        <p:style>
+          <a:lnRef idx="1">
+            <a:schemeClr val="accent2"/>
+          </a:lnRef>
+          <a:fillRef idx="2">
+            <a:schemeClr val="accent2"/>
+          </a:fillRef>
+          <a:effectRef idx="1">
+            <a:schemeClr val="accent2"/>
+          </a:effectRef>
+          <a:fontRef idx="minor">
+            <a:schemeClr val="dk1"/>
+          </a:fontRef>
+        </p:style>
+      </p:cxnSp>
+      <p:cxnSp>
+        <p:nvCxnSpPr>
+          <p:cNvPr id="91" name="Elbow Connector 63"/>
+          <p:cNvCxnSpPr>
+            <a:stCxn id="16" idx="3"/>
+            <a:endCxn id="35" idx="3"/>
+          </p:cNvCxnSpPr>
+          <p:nvPr/>
+        </p:nvCxnSpPr>
+        <p:spPr>
+          <a:xfrm rot="5400000">
+            <a:off x="3533558" y="2433645"/>
+            <a:ext cx="2901744" cy="2596535"/>
+          </a:xfrm>
+          <a:prstGeom prst="bentConnector2">
+            <a:avLst/>
+          </a:prstGeom>
+          <a:ln w="6350">
+            <a:solidFill>
+              <a:schemeClr val="accent3"/>
+            </a:solidFill>
+            <a:headEnd type="none" w="med" len="med"/>
+            <a:tailEnd type="none" w="med" len="med"/>
+          </a:ln>
+          <a:effectLst/>
+        </p:spPr>
+        <p:style>
+          <a:lnRef idx="1">
+            <a:schemeClr val="accent2"/>
+          </a:lnRef>
+          <a:fillRef idx="2">
+            <a:schemeClr val="accent2"/>
+          </a:fillRef>
+          <a:effectRef idx="1">
+            <a:schemeClr val="accent2"/>
+          </a:effectRef>
+          <a:fontRef idx="minor">
+            <a:schemeClr val="dk1"/>
+          </a:fontRef>
+        </p:style>
+      </p:cxnSp>
+      <p:cxnSp>
+        <p:nvCxnSpPr>
+          <p:cNvPr id="94" name="Elbow Connector 63"/>
+          <p:cNvCxnSpPr>
+            <a:stCxn id="16" idx="3"/>
+            <a:endCxn id="38" idx="3"/>
+          </p:cNvCxnSpPr>
+          <p:nvPr/>
+        </p:nvCxnSpPr>
+        <p:spPr>
+          <a:xfrm rot="5400000">
+            <a:off x="3351380" y="2614469"/>
+            <a:ext cx="3264747" cy="2597889"/>
+          </a:xfrm>
+          <a:prstGeom prst="bentConnector2">
+            <a:avLst/>
+          </a:prstGeom>
+          <a:ln w="6350">
+            <a:solidFill>
+              <a:schemeClr val="accent3"/>
+            </a:solidFill>
+            <a:headEnd type="none" w="med" len="med"/>
+            <a:tailEnd type="none" w="med" len="med"/>
+          </a:ln>
+          <a:effectLst/>
+        </p:spPr>
+        <p:style>
+          <a:lnRef idx="1">
+            <a:schemeClr val="accent2"/>
+          </a:lnRef>
+          <a:fillRef idx="2">
+            <a:schemeClr val="accent2"/>
+          </a:fillRef>
+          <a:effectRef idx="1">
+            <a:schemeClr val="accent2"/>
+          </a:effectRef>
+          <a:fontRef idx="minor">
+            <a:schemeClr val="dk1"/>
+          </a:fontRef>
+        </p:style>
+      </p:cxnSp>
+      <p:cxnSp>
+        <p:nvCxnSpPr>
+          <p:cNvPr id="107" name="Elbow Connector 106"/>
+          <p:cNvCxnSpPr>
+            <a:cxnSpLocks/>
+            <a:stCxn id="9" idx="0"/>
+          </p:cNvCxnSpPr>
+          <p:nvPr/>
+        </p:nvCxnSpPr>
+        <p:spPr>
+          <a:xfrm rot="5400000" flipH="1" flipV="1">
+            <a:off x="4902955" y="-654855"/>
+            <a:ext cx="162484" cy="4689075"/>
+          </a:xfrm>
+          <a:prstGeom prst="bentConnector2">
+            <a:avLst/>
+          </a:prstGeom>
+          <a:ln w="19050">
+            <a:solidFill>
+              <a:srgbClr val="00B050"/>
+            </a:solidFill>
+            <a:prstDash val="solid"/>
+            <a:headEnd type="none" w="med" len="med"/>
+            <a:tailEnd type="arrow" w="med" len="med"/>
+          </a:ln>
+          <a:effectLst/>
+        </p:spPr>
+        <p:style>
+          <a:lnRef idx="1">
+            <a:schemeClr val="accent2"/>
+          </a:lnRef>
+          <a:fillRef idx="2">
+            <a:schemeClr val="accent2"/>
+          </a:fillRef>
+          <a:effectRef idx="1">
+            <a:schemeClr val="accent2"/>
+          </a:effectRef>
+          <a:fontRef idx="minor">
+            <a:schemeClr val="dk1"/>
+          </a:fontRef>
+        </p:style>
+      </p:cxnSp>
+      <p:sp>
+        <p:nvSpPr>
+          <p:cNvPr id="117" name="Rectangle 65"/>
+          <p:cNvSpPr/>
+          <p:nvPr/>
+        </p:nvSpPr>
+        <p:spPr>
+          <a:xfrm rot="16200000">
+            <a:off x="6806958" y="4496216"/>
+            <a:ext cx="1371599" cy="328045"/>
+          </a:xfrm>
+          <a:prstGeom prst="roundRect">
+            <a:avLst/>
+          </a:prstGeom>
+          <a:solidFill>
+            <a:schemeClr val="accent4">
+              <a:lumMod val="20000"/>
+              <a:lumOff val="80000"/>
+            </a:schemeClr>
+          </a:solidFill>
+          <a:ln w="19050">
+            <a:noFill/>
+          </a:ln>
+          <a:effectLst/>
+        </p:spPr>
+        <p:style>
+          <a:lnRef idx="1">
+            <a:schemeClr val="accent2"/>
+          </a:lnRef>
+          <a:fillRef idx="2">
+            <a:schemeClr val="accent2"/>
+          </a:fillRef>
+          <a:effectRef idx="1">
+            <a:schemeClr val="accent2"/>
+          </a:effectRef>
+          <a:fontRef idx="minor">
+            <a:schemeClr val="dk1"/>
+          </a:fontRef>
+        </p:style>
+        <p:txBody>
+          <a:bodyPr rtlCol="0" anchor="ctr"/>
+          <a:lstStyle/>
+          <a:p>
+            <a:pPr algn="ctr"/>
+            <a:r>
+              <a:rPr lang="en-US" sz="1100" b="1" dirty="0">
+                <a:solidFill>
+                  <a:schemeClr val="bg1"/>
+                </a:solidFill>
+              </a:rPr>
+              <a:t>Model</a:t>
+            </a:r>
+            <a:endParaRPr lang="en-SG" sz="1100" b="1" dirty="0">
+              <a:solidFill>
+                <a:schemeClr val="bg1"/>
+              </a:solidFill>
+            </a:endParaRPr>
+          </a:p>
+        </p:txBody>
+      </p:sp>
+      <p:sp>
+        <p:nvSpPr>
+          <p:cNvPr id="119" name="Rectangle 62"/>
+          <p:cNvSpPr/>
+          <p:nvPr/>
+        </p:nvSpPr>
+        <p:spPr>
+          <a:xfrm rot="16200000">
+            <a:off x="956202" y="2861202"/>
+            <a:ext cx="1093635" cy="346760"/>
+          </a:xfrm>
+          <a:prstGeom prst="rect">
+            <a:avLst/>
+          </a:prstGeom>
+          <a:solidFill>
+            <a:srgbClr val="00B050"/>
+          </a:solidFill>
+          <a:ln w="19050">
+            <a:solidFill>
+              <a:srgbClr val="00B050"/>
+            </a:solidFill>
+          </a:ln>
+          <a:effectLst/>
+        </p:spPr>
+        <p:style>
+          <a:lnRef idx="1">
+            <a:schemeClr val="accent2"/>
+          </a:lnRef>
+          <a:fillRef idx="2">
+            <a:schemeClr val="accent2"/>
+          </a:fillRef>
+          <a:effectRef idx="1">
+            <a:schemeClr val="accent2"/>
+          </a:effectRef>
+          <a:fontRef idx="minor">
+            <a:schemeClr val="dk1"/>
+          </a:fontRef>
+        </p:style>
+        <p:txBody>
+          <a:bodyPr rtlCol="0" anchor="ctr"/>
+          <a:lstStyle/>
+          <a:p>
+            <a:pPr algn="ctr"/>
+            <a:r>
+              <a:rPr lang="en-US" sz="1050" dirty="0">
+                <a:solidFill>
+                  <a:schemeClr val="bg1"/>
+                </a:solidFill>
+              </a:rPr>
+              <a:t>&lt;&lt;interface&gt;&gt;</a:t>
+            </a:r>
+          </a:p>
+          <a:p>
+            <a:pPr algn="ctr"/>
+            <a:r>
+              <a:rPr lang="en-US" sz="1050" dirty="0" err="1">
+                <a:solidFill>
+                  <a:schemeClr val="bg1"/>
+                </a:solidFill>
+              </a:rPr>
+              <a:t>Ui</a:t>
+            </a:r>
+            <a:endParaRPr lang="en-SG" sz="1050" dirty="0">
+              <a:solidFill>
+                <a:schemeClr val="bg1"/>
+              </a:solidFill>
+            </a:endParaRPr>
+          </a:p>
+        </p:txBody>
+      </p:sp>
+      <p:sp>
+        <p:nvSpPr>
+          <p:cNvPr id="120" name="Isosceles Triangle 102"/>
+          <p:cNvSpPr/>
+          <p:nvPr/>
+        </p:nvSpPr>
+        <p:spPr>
+          <a:xfrm flipV="1">
+            <a:off x="1367767" y="2286001"/>
+            <a:ext cx="270504" cy="175523"/>
+          </a:xfrm>
+          <a:prstGeom prst="triangle">
+            <a:avLst/>
+          </a:prstGeom>
+          <a:ln w="19050">
+            <a:solidFill>
+              <a:srgbClr val="00B050"/>
+            </a:solidFill>
+          </a:ln>
+          <a:effectLst/>
+        </p:spPr>
+        <p:style>
+          <a:lnRef idx="1">
+            <a:schemeClr val="accent3"/>
+          </a:lnRef>
+          <a:fillRef idx="2">
+            <a:schemeClr val="accent3"/>
+          </a:fillRef>
+          <a:effectRef idx="1">
+            <a:schemeClr val="accent3"/>
+          </a:effectRef>
+          <a:fontRef idx="minor">
+            <a:schemeClr val="dk1"/>
+          </a:fontRef>
+        </p:style>
+        <p:txBody>
+          <a:bodyPr rtlCol="0" anchor="ctr"/>
+          <a:lstStyle/>
+          <a:p>
+            <a:pPr algn="ctr"/>
+            <a:endParaRPr lang="en-SG" sz="1050" b="1">
+              <a:solidFill>
+                <a:srgbClr val="92D050"/>
+              </a:solidFill>
+            </a:endParaRPr>
+          </a:p>
+        </p:txBody>
+      </p:sp>
+      <p:cxnSp>
+        <p:nvCxnSpPr>
+          <p:cNvPr id="121" name="Elbow Connector 63"/>
+          <p:cNvCxnSpPr>
+            <a:stCxn id="9" idx="1"/>
+            <a:endCxn id="120" idx="3"/>
+          </p:cNvCxnSpPr>
+          <p:nvPr/>
+        </p:nvCxnSpPr>
+        <p:spPr>
+          <a:xfrm rot="10800000" flipV="1">
+            <a:off x="1503020" y="1944303"/>
+            <a:ext cx="589823" cy="341697"/>
+          </a:xfrm>
+          <a:prstGeom prst="bentConnector2">
+            <a:avLst/>
+          </a:prstGeom>
+          <a:ln w="19050">
+            <a:solidFill>
+              <a:srgbClr val="00B050"/>
+            </a:solidFill>
+            <a:prstDash val="sysDot"/>
+            <a:headEnd type="none" w="med" len="med"/>
+            <a:tailEnd type="none" w="med" len="med"/>
+          </a:ln>
+          <a:effectLst/>
+        </p:spPr>
+        <p:style>
+          <a:lnRef idx="1">
+            <a:schemeClr val="accent2"/>
+          </a:lnRef>
+          <a:fillRef idx="2">
+            <a:schemeClr val="accent2"/>
+          </a:fillRef>
+          <a:effectRef idx="1">
+            <a:schemeClr val="accent2"/>
+          </a:effectRef>
+          <a:fontRef idx="minor">
+            <a:schemeClr val="dk1"/>
+          </a:fontRef>
+        </p:style>
+      </p:cxnSp>
+      <p:cxnSp>
+        <p:nvCxnSpPr>
+          <p:cNvPr id="131" name="Elbow Connector 130"/>
+          <p:cNvCxnSpPr>
+            <a:stCxn id="39" idx="2"/>
+            <a:endCxn id="43" idx="1"/>
+          </p:cNvCxnSpPr>
+          <p:nvPr/>
+        </p:nvCxnSpPr>
+        <p:spPr>
+          <a:xfrm rot="16200000" flipH="1">
+            <a:off x="2226110" y="3058040"/>
+            <a:ext cx="554704" cy="174673"/>
+          </a:xfrm>
+          <a:prstGeom prst="bentConnector2">
+            <a:avLst/>
+          </a:prstGeom>
+          <a:ln w="19050">
+            <a:solidFill>
+              <a:schemeClr val="accent3"/>
+            </a:solidFill>
+            <a:headEnd type="none" w="med" len="med"/>
+            <a:tailEnd type="arrow" w="med" len="med"/>
+          </a:ln>
+          <a:effectLst/>
+        </p:spPr>
+        <p:style>
+          <a:lnRef idx="1">
+            <a:schemeClr val="accent2"/>
+          </a:lnRef>
+          <a:fillRef idx="2">
+            <a:schemeClr val="accent2"/>
+          </a:fillRef>
+          <a:effectRef idx="1">
+            <a:schemeClr val="accent2"/>
+          </a:effectRef>
+          <a:fontRef idx="minor">
+            <a:schemeClr val="dk1"/>
+          </a:fontRef>
+        </p:style>
+      </p:cxnSp>
+      <p:cxnSp>
+        <p:nvCxnSpPr>
+          <p:cNvPr id="132" name="Elbow Connector 63"/>
+          <p:cNvCxnSpPr>
+            <a:stCxn id="16" idx="3"/>
+            <a:endCxn id="3" idx="3"/>
+          </p:cNvCxnSpPr>
+          <p:nvPr/>
+        </p:nvCxnSpPr>
+        <p:spPr>
+          <a:xfrm rot="5400000">
+            <a:off x="4579840" y="1387363"/>
+            <a:ext cx="809181" cy="2596534"/>
+          </a:xfrm>
+          <a:prstGeom prst="bentConnector2">
+            <a:avLst/>
+          </a:prstGeom>
+          <a:ln w="6350">
+            <a:solidFill>
+              <a:schemeClr val="accent3"/>
+            </a:solidFill>
+            <a:headEnd type="none" w="med" len="med"/>
+            <a:tailEnd type="none" w="med" len="med"/>
+          </a:ln>
+          <a:effectLst/>
+        </p:spPr>
+        <p:style>
+          <a:lnRef idx="1">
+            <a:schemeClr val="accent2"/>
+          </a:lnRef>
+          <a:fillRef idx="2">
+            <a:schemeClr val="accent2"/>
+          </a:fillRef>
+          <a:effectRef idx="1">
+            <a:schemeClr val="accent2"/>
+          </a:effectRef>
+          <a:fontRef idx="minor">
+            <a:schemeClr val="dk1"/>
+          </a:fontRef>
+        </p:style>
+      </p:cxnSp>
+      <p:cxnSp>
+        <p:nvCxnSpPr>
+          <p:cNvPr id="140" name="Elbow Connector 63"/>
+          <p:cNvCxnSpPr>
+            <a:cxnSpLocks/>
+            <a:stCxn id="16" idx="3"/>
+            <a:endCxn id="36" idx="3"/>
+          </p:cNvCxnSpPr>
+          <p:nvPr/>
+        </p:nvCxnSpPr>
+        <p:spPr>
+          <a:xfrm rot="5400000">
+            <a:off x="4069759" y="1897442"/>
+            <a:ext cx="1829341" cy="2596536"/>
+          </a:xfrm>
+          <a:prstGeom prst="bentConnector2">
+            <a:avLst/>
+          </a:prstGeom>
+          <a:ln w="6350">
+            <a:solidFill>
+              <a:schemeClr val="accent3"/>
+            </a:solidFill>
+            <a:headEnd type="none" w="med" len="med"/>
+            <a:tailEnd type="none" w="med" len="med"/>
+          </a:ln>
+          <a:effectLst/>
+        </p:spPr>
+        <p:style>
+          <a:lnRef idx="1">
+            <a:schemeClr val="accent2"/>
+          </a:lnRef>
+          <a:fillRef idx="2">
+            <a:schemeClr val="accent2"/>
+          </a:fillRef>
+          <a:effectRef idx="1">
+            <a:schemeClr val="accent2"/>
+          </a:effectRef>
+          <a:fontRef idx="minor">
+            <a:schemeClr val="dk1"/>
+          </a:fontRef>
+        </p:style>
+      </p:cxnSp>
+      <p:sp>
+        <p:nvSpPr>
+          <p:cNvPr id="143" name="Rectangle 142"/>
+          <p:cNvSpPr/>
+          <p:nvPr/>
+        </p:nvSpPr>
+        <p:spPr>
+          <a:xfrm>
+            <a:off x="5435896" y="2743200"/>
+            <a:ext cx="229325" cy="166560"/>
+          </a:xfrm>
+          <a:prstGeom prst="rect">
+            <a:avLst/>
+          </a:prstGeom>
+          <a:solidFill>
+            <a:schemeClr val="accent3">
+              <a:lumMod val="20000"/>
+              <a:lumOff val="80000"/>
+              <a:alpha val="80000"/>
+            </a:schemeClr>
+          </a:solidFill>
+          <a:ln>
+            <a:noFill/>
+          </a:ln>
+          <a:effectLst>
+            <a:softEdge rad="31750"/>
+          </a:effectLst>
+        </p:spPr>
+        <p:style>
+          <a:lnRef idx="2">
+            <a:schemeClr val="accent1">
+              <a:shade val="50000"/>
+            </a:schemeClr>
+          </a:lnRef>
+          <a:fillRef idx="1">
+            <a:schemeClr val="accent1"/>
+          </a:fillRef>
+          <a:effectRef idx="0">
+            <a:schemeClr val="accent1"/>
+          </a:effectRef>
+          <a:fontRef idx="minor">
+            <a:schemeClr val="lt1"/>
+          </a:fontRef>
+        </p:style>
+        <p:txBody>
+          <a:bodyPr rtlCol="0" anchor="ctr"/>
+          <a:lstStyle/>
+          <a:p>
+            <a:pPr algn="ctr"/>
+            <a:endParaRPr lang="en-SG"/>
+          </a:p>
+        </p:txBody>
+      </p:sp>
+      <p:sp>
+        <p:nvSpPr>
+          <p:cNvPr id="116" name="Freeform 115"/>
+          <p:cNvSpPr/>
+          <p:nvPr/>
+        </p:nvSpPr>
+        <p:spPr>
+          <a:xfrm>
+            <a:off x="3687515" y="2809251"/>
+            <a:ext cx="3641220" cy="222751"/>
+          </a:xfrm>
+          <a:custGeom>
+            <a:avLst/>
+            <a:gdLst>
+              <a:gd name="connsiteX0" fmla="*/ 0 w 3048000"/>
+              <a:gd name="connsiteY0" fmla="*/ 203200 h 203200"/>
+              <a:gd name="connsiteX1" fmla="*/ 221673 w 3048000"/>
+              <a:gd name="connsiteY1" fmla="*/ 0 h 203200"/>
+              <a:gd name="connsiteX2" fmla="*/ 3048000 w 3048000"/>
+              <a:gd name="connsiteY2" fmla="*/ 0 h 203200"/>
+            </a:gdLst>
+            <a:ahLst/>
+            <a:cxnLst>
+              <a:cxn ang="0">
+                <a:pos x="connsiteX0" y="connsiteY0"/>
+              </a:cxn>
+              <a:cxn ang="0">
+                <a:pos x="connsiteX1" y="connsiteY1"/>
+              </a:cxn>
+              <a:cxn ang="0">
+                <a:pos x="connsiteX2" y="connsiteY2"/>
+              </a:cxn>
+            </a:cxnLst>
+            <a:rect l="l" t="t" r="r" b="b"/>
+            <a:pathLst>
+              <a:path w="3048000" h="203200">
+                <a:moveTo>
+                  <a:pt x="0" y="203200"/>
+                </a:moveTo>
+                <a:lnTo>
+                  <a:pt x="221673" y="0"/>
+                </a:lnTo>
+                <a:lnTo>
+                  <a:pt x="3048000" y="0"/>
+                </a:lnTo>
+              </a:path>
+            </a:pathLst>
+          </a:custGeom>
+          <a:noFill/>
+          <a:ln w="19050">
+            <a:solidFill>
+              <a:schemeClr val="accent3"/>
+            </a:solidFill>
+            <a:prstDash val="solid"/>
+            <a:headEnd type="none" w="med" len="med"/>
+            <a:tailEnd type="arrow" w="med" len="med"/>
+          </a:ln>
+          <a:effectLst/>
+        </p:spPr>
+        <p:style>
+          <a:lnRef idx="1">
+            <a:schemeClr val="accent2"/>
+          </a:lnRef>
+          <a:fillRef idx="2">
+            <a:schemeClr val="accent2"/>
+          </a:fillRef>
+          <a:effectRef idx="1">
+            <a:schemeClr val="accent2"/>
+          </a:effectRef>
+          <a:fontRef idx="minor">
+            <a:schemeClr val="dk1"/>
+          </a:fontRef>
+        </p:style>
+        <p:txBody>
+          <a:bodyPr rtlCol="0" anchor="ctr"/>
+          <a:lstStyle/>
+          <a:p>
+            <a:pPr algn="ctr"/>
+            <a:endParaRPr lang="en-SG"/>
+          </a:p>
+        </p:txBody>
+      </p:sp>
+      <p:sp>
+        <p:nvSpPr>
+          <p:cNvPr id="46" name="Rectangle 11">
+            <a:extLst>
+              <a:ext uri="{FF2B5EF4-FFF2-40B4-BE49-F238E27FC236}">
+                <a16:creationId xmlns:a16="http://schemas.microsoft.com/office/drawing/2014/main" id="{3C04A5F4-1CED-B148-8D49-41B50213BA65}"/>
+              </a:ext>
+            </a:extLst>
+          </p:cNvPr>
+          <p:cNvSpPr/>
+          <p:nvPr/>
+        </p:nvSpPr>
+        <p:spPr>
+          <a:xfrm>
+            <a:off x="3809865" y="4182759"/>
+            <a:ext cx="1093635" cy="236841"/>
+          </a:xfrm>
+          <a:prstGeom prst="rect">
+            <a:avLst/>
+          </a:prstGeom>
+          <a:ln w="19050">
+            <a:solidFill>
+              <a:schemeClr val="accent3"/>
+            </a:solidFill>
+          </a:ln>
+          <a:effectLst/>
+        </p:spPr>
+        <p:style>
+          <a:lnRef idx="1">
+            <a:schemeClr val="accent3"/>
+          </a:lnRef>
+          <a:fillRef idx="2">
+            <a:schemeClr val="accent3"/>
+          </a:fillRef>
+          <a:effectRef idx="1">
+            <a:schemeClr val="accent3"/>
+          </a:effectRef>
+          <a:fontRef idx="minor">
+            <a:schemeClr val="dk1"/>
+          </a:fontRef>
+        </p:style>
+        <p:txBody>
+          <a:bodyPr rtlCol="0" anchor="ctr"/>
+          <a:lstStyle/>
+          <a:p>
+            <a:pPr algn="ctr"/>
+            <a:r>
+              <a:rPr lang="en-US" sz="1050" b="1" dirty="0">
+                <a:solidFill>
+                  <a:schemeClr val="accent3">
+                    <a:lumMod val="75000"/>
+                  </a:schemeClr>
+                </a:solidFill>
+              </a:rPr>
+              <a:t>Display</a:t>
+            </a:r>
+            <a:endParaRPr lang="en-SG" sz="1050" b="1" dirty="0">
+              <a:solidFill>
+                <a:schemeClr val="accent3">
+                  <a:lumMod val="75000"/>
+                </a:schemeClr>
+              </a:solidFill>
+            </a:endParaRPr>
+          </a:p>
+        </p:txBody>
+      </p:sp>
+      <p:sp>
+        <p:nvSpPr>
+          <p:cNvPr id="48" name="Rectangle 11">
+            <a:extLst>
+              <a:ext uri="{FF2B5EF4-FFF2-40B4-BE49-F238E27FC236}">
+                <a16:creationId xmlns:a16="http://schemas.microsoft.com/office/drawing/2014/main" id="{E63BA790-D528-3A41-969F-DB26F044F917}"/>
+              </a:ext>
+            </a:extLst>
+          </p:cNvPr>
+          <p:cNvSpPr/>
+          <p:nvPr/>
+        </p:nvSpPr>
+        <p:spPr>
+          <a:xfrm>
+            <a:off x="3812958" y="4487559"/>
+            <a:ext cx="1093635" cy="236841"/>
+          </a:xfrm>
+          <a:prstGeom prst="rect">
+            <a:avLst/>
+          </a:prstGeom>
+          <a:ln w="19050">
+            <a:solidFill>
+              <a:schemeClr val="accent3"/>
+            </a:solidFill>
+          </a:ln>
+          <a:effectLst/>
+        </p:spPr>
+        <p:style>
+          <a:lnRef idx="1">
+            <a:schemeClr val="accent3"/>
+          </a:lnRef>
+          <a:fillRef idx="2">
+            <a:schemeClr val="accent3"/>
+          </a:fillRef>
+          <a:effectRef idx="1">
+            <a:schemeClr val="accent3"/>
+          </a:effectRef>
+          <a:fontRef idx="minor">
+            <a:schemeClr val="dk1"/>
+          </a:fontRef>
+        </p:style>
+        <p:txBody>
+          <a:bodyPr rtlCol="0" anchor="ctr"/>
+          <a:lstStyle/>
+          <a:p>
+            <a:pPr algn="ctr"/>
+            <a:r>
+              <a:rPr lang="en-US" sz="1050" b="1" dirty="0" err="1">
+                <a:solidFill>
+                  <a:schemeClr val="accent3">
+                    <a:lumMod val="75000"/>
+                  </a:schemeClr>
+                </a:solidFill>
+              </a:rPr>
+              <a:t>OrderListPanel</a:t>
+            </a:r>
+            <a:endParaRPr lang="en-SG" sz="1050" b="1" dirty="0">
+              <a:solidFill>
+                <a:schemeClr val="accent3">
+                  <a:lumMod val="75000"/>
+                </a:schemeClr>
+              </a:solidFill>
+            </a:endParaRPr>
+          </a:p>
+        </p:txBody>
+      </p:sp>
+      <p:sp>
+        <p:nvSpPr>
+          <p:cNvPr id="49" name="Rectangle 11">
+            <a:extLst>
+              <a:ext uri="{FF2B5EF4-FFF2-40B4-BE49-F238E27FC236}">
+                <a16:creationId xmlns:a16="http://schemas.microsoft.com/office/drawing/2014/main" id="{6DE51470-BFC8-F24D-B4C7-49ECDA9759C5}"/>
+              </a:ext>
+            </a:extLst>
+          </p:cNvPr>
+          <p:cNvSpPr/>
+          <p:nvPr/>
+        </p:nvSpPr>
+        <p:spPr>
+          <a:xfrm>
+            <a:off x="2779645" y="4785855"/>
+            <a:ext cx="1404231" cy="236841"/>
+          </a:xfrm>
+          <a:prstGeom prst="rect">
+            <a:avLst/>
+          </a:prstGeom>
+          <a:ln w="19050">
+            <a:solidFill>
+              <a:schemeClr val="accent3"/>
+            </a:solidFill>
+          </a:ln>
+          <a:effectLst/>
+        </p:spPr>
+        <p:style>
+          <a:lnRef idx="1">
+            <a:schemeClr val="accent3"/>
+          </a:lnRef>
+          <a:fillRef idx="2">
+            <a:schemeClr val="accent3"/>
+          </a:fillRef>
+          <a:effectRef idx="1">
+            <a:schemeClr val="accent3"/>
+          </a:effectRef>
+          <a:fontRef idx="minor">
+            <a:schemeClr val="dk1"/>
+          </a:fontRef>
+        </p:style>
+        <p:txBody>
+          <a:bodyPr rtlCol="0" anchor="ctr"/>
+          <a:lstStyle/>
+          <a:p>
+            <a:pPr algn="ctr"/>
+            <a:r>
+              <a:rPr lang="en-US" sz="1050" b="1" dirty="0" err="1">
+                <a:solidFill>
+                  <a:schemeClr val="accent3">
+                    <a:lumMod val="75000"/>
+                  </a:schemeClr>
+                </a:solidFill>
+              </a:rPr>
+              <a:t>DeliverymanListPanel</a:t>
+            </a:r>
+            <a:endParaRPr lang="en-SG" sz="1050" b="1" dirty="0">
+              <a:solidFill>
+                <a:schemeClr val="accent3">
+                  <a:lumMod val="75000"/>
+                </a:schemeClr>
+              </a:solidFill>
+            </a:endParaRPr>
+          </a:p>
+        </p:txBody>
+      </p:sp>
+      <p:sp>
+        <p:nvSpPr>
+          <p:cNvPr id="51" name="Rectangle 11">
+            <a:extLst>
+              <a:ext uri="{FF2B5EF4-FFF2-40B4-BE49-F238E27FC236}">
+                <a16:creationId xmlns:a16="http://schemas.microsoft.com/office/drawing/2014/main" id="{AEAE6F5E-8F13-554C-B5A4-E415CAEBB568}"/>
+              </a:ext>
+            </a:extLst>
+          </p:cNvPr>
+          <p:cNvSpPr/>
+          <p:nvPr/>
+        </p:nvSpPr>
+        <p:spPr>
+          <a:xfrm>
+            <a:off x="5042113" y="4512596"/>
+            <a:ext cx="1093635" cy="236841"/>
+          </a:xfrm>
+          <a:prstGeom prst="rect">
+            <a:avLst/>
+          </a:prstGeom>
+          <a:ln w="19050">
+            <a:solidFill>
+              <a:schemeClr val="accent3"/>
+            </a:solidFill>
+          </a:ln>
+          <a:effectLst/>
+        </p:spPr>
+        <p:style>
+          <a:lnRef idx="1">
+            <a:schemeClr val="accent3"/>
+          </a:lnRef>
+          <a:fillRef idx="2">
+            <a:schemeClr val="accent3"/>
+          </a:fillRef>
+          <a:effectRef idx="1">
+            <a:schemeClr val="accent3"/>
+          </a:effectRef>
+          <a:fontRef idx="minor">
+            <a:schemeClr val="dk1"/>
+          </a:fontRef>
+        </p:style>
+        <p:txBody>
+          <a:bodyPr rtlCol="0" anchor="ctr"/>
+          <a:lstStyle/>
+          <a:p>
+            <a:pPr algn="ctr"/>
+            <a:r>
+              <a:rPr lang="en-US" sz="1050" b="1" dirty="0" err="1">
+                <a:solidFill>
+                  <a:schemeClr val="accent3">
+                    <a:lumMod val="75000"/>
+                  </a:schemeClr>
+                </a:solidFill>
+              </a:rPr>
+              <a:t>OrderCard</a:t>
+            </a:r>
+            <a:endParaRPr lang="en-SG" sz="1050" b="1" dirty="0">
+              <a:solidFill>
+                <a:schemeClr val="accent3">
+                  <a:lumMod val="75000"/>
+                </a:schemeClr>
+              </a:solidFill>
+            </a:endParaRPr>
+          </a:p>
+        </p:txBody>
+      </p:sp>
+      <p:sp>
+        <p:nvSpPr>
+          <p:cNvPr id="52" name="Rectangle 11">
+            <a:extLst>
+              <a:ext uri="{FF2B5EF4-FFF2-40B4-BE49-F238E27FC236}">
+                <a16:creationId xmlns:a16="http://schemas.microsoft.com/office/drawing/2014/main" id="{BEABBB6E-ABEB-4243-AD75-8EEF527C47DD}"/>
+              </a:ext>
+            </a:extLst>
+          </p:cNvPr>
+          <p:cNvSpPr/>
+          <p:nvPr/>
+        </p:nvSpPr>
+        <p:spPr>
+          <a:xfrm>
+            <a:off x="4981136" y="4877080"/>
+            <a:ext cx="1147785" cy="236841"/>
+          </a:xfrm>
+          <a:prstGeom prst="rect">
+            <a:avLst/>
+          </a:prstGeom>
+          <a:ln w="19050">
+            <a:solidFill>
+              <a:schemeClr val="accent3"/>
+            </a:solidFill>
+          </a:ln>
+          <a:effectLst/>
+        </p:spPr>
+        <p:style>
+          <a:lnRef idx="1">
+            <a:schemeClr val="accent3"/>
+          </a:lnRef>
+          <a:fillRef idx="2">
+            <a:schemeClr val="accent3"/>
+          </a:fillRef>
+          <a:effectRef idx="1">
+            <a:schemeClr val="accent3"/>
+          </a:effectRef>
+          <a:fontRef idx="minor">
+            <a:schemeClr val="dk1"/>
+          </a:fontRef>
+        </p:style>
+        <p:txBody>
+          <a:bodyPr rtlCol="0" anchor="ctr"/>
+          <a:lstStyle/>
+          <a:p>
+            <a:pPr algn="ctr"/>
+            <a:r>
+              <a:rPr lang="en-US" sz="1050" b="1" dirty="0" err="1">
+                <a:solidFill>
+                  <a:schemeClr val="accent3">
+                    <a:lumMod val="75000"/>
+                  </a:schemeClr>
+                </a:solidFill>
+              </a:rPr>
+              <a:t>DeliverymanCard</a:t>
+            </a:r>
+            <a:endParaRPr lang="en-SG" sz="1050" b="1" dirty="0">
+              <a:solidFill>
+                <a:schemeClr val="accent3">
+                  <a:lumMod val="75000"/>
+                </a:schemeClr>
+              </a:solidFill>
+            </a:endParaRPr>
+          </a:p>
+        </p:txBody>
+      </p:sp>
+      <p:sp>
+        <p:nvSpPr>
+          <p:cNvPr id="54" name="Rectangle 11">
+            <a:extLst>
+              <a:ext uri="{FF2B5EF4-FFF2-40B4-BE49-F238E27FC236}">
+                <a16:creationId xmlns:a16="http://schemas.microsoft.com/office/drawing/2014/main" id="{79F88A2B-8B32-3F49-A0CF-9F755343CA50}"/>
+              </a:ext>
+            </a:extLst>
+          </p:cNvPr>
+          <p:cNvSpPr/>
+          <p:nvPr/>
+        </p:nvSpPr>
+        <p:spPr>
+          <a:xfrm>
+            <a:off x="5003740" y="3820660"/>
+            <a:ext cx="1093635" cy="236841"/>
+          </a:xfrm>
+          <a:prstGeom prst="rect">
+            <a:avLst/>
+          </a:prstGeom>
+          <a:ln w="19050">
+            <a:solidFill>
+              <a:schemeClr val="accent3"/>
+            </a:solidFill>
+          </a:ln>
+          <a:effectLst/>
+        </p:spPr>
+        <p:style>
+          <a:lnRef idx="1">
+            <a:schemeClr val="accent3"/>
+          </a:lnRef>
+          <a:fillRef idx="2">
+            <a:schemeClr val="accent3"/>
+          </a:fillRef>
+          <a:effectRef idx="1">
+            <a:schemeClr val="accent3"/>
+          </a:effectRef>
+          <a:fontRef idx="minor">
+            <a:schemeClr val="dk1"/>
+          </a:fontRef>
+        </p:style>
+        <p:txBody>
+          <a:bodyPr rtlCol="0" anchor="ctr"/>
+          <a:lstStyle/>
+          <a:p>
+            <a:pPr algn="ctr"/>
+            <a:r>
+              <a:rPr lang="en-US" sz="1050" b="1" dirty="0" err="1">
+                <a:solidFill>
+                  <a:schemeClr val="accent3">
+                    <a:lumMod val="75000"/>
+                  </a:schemeClr>
+                </a:solidFill>
+              </a:rPr>
+              <a:t>MapPanel</a:t>
+            </a:r>
+            <a:endParaRPr lang="en-SG" sz="1050" b="1" dirty="0">
+              <a:solidFill>
+                <a:schemeClr val="accent3">
+                  <a:lumMod val="75000"/>
+                </a:schemeClr>
+              </a:solidFill>
+            </a:endParaRPr>
+          </a:p>
+        </p:txBody>
+      </p:sp>
+      <p:sp>
+        <p:nvSpPr>
+          <p:cNvPr id="55" name="Rectangle 11">
+            <a:extLst>
+              <a:ext uri="{FF2B5EF4-FFF2-40B4-BE49-F238E27FC236}">
+                <a16:creationId xmlns:a16="http://schemas.microsoft.com/office/drawing/2014/main" id="{D82D4840-24B2-5642-AD11-07B06D81D3BC}"/>
+              </a:ext>
+            </a:extLst>
+          </p:cNvPr>
+          <p:cNvSpPr/>
+          <p:nvPr/>
+        </p:nvSpPr>
+        <p:spPr>
+          <a:xfrm>
+            <a:off x="5027203" y="4187599"/>
+            <a:ext cx="1093635" cy="236841"/>
+          </a:xfrm>
+          <a:prstGeom prst="rect">
+            <a:avLst/>
+          </a:prstGeom>
+          <a:ln w="19050">
+            <a:solidFill>
+              <a:schemeClr val="accent3"/>
+            </a:solidFill>
+          </a:ln>
+          <a:effectLst/>
+        </p:spPr>
+        <p:style>
+          <a:lnRef idx="1">
+            <a:schemeClr val="accent3"/>
+          </a:lnRef>
+          <a:fillRef idx="2">
+            <a:schemeClr val="accent3"/>
+          </a:fillRef>
+          <a:effectRef idx="1">
+            <a:schemeClr val="accent3"/>
+          </a:effectRef>
+          <a:fontRef idx="minor">
+            <a:schemeClr val="dk1"/>
+          </a:fontRef>
+        </p:style>
+        <p:txBody>
+          <a:bodyPr rtlCol="0" anchor="ctr"/>
+          <a:lstStyle/>
+          <a:p>
+            <a:pPr algn="ctr"/>
+            <a:r>
+              <a:rPr lang="en-US" sz="1050" b="1" dirty="0" err="1">
+                <a:solidFill>
+                  <a:schemeClr val="accent3">
+                    <a:lumMod val="75000"/>
+                  </a:schemeClr>
+                </a:solidFill>
+              </a:rPr>
+              <a:t>StatisticsPanel</a:t>
+            </a:r>
+            <a:endParaRPr lang="en-SG" sz="1050" b="1" dirty="0">
+              <a:solidFill>
+                <a:schemeClr val="accent3">
+                  <a:lumMod val="75000"/>
+                </a:schemeClr>
+              </a:solidFill>
+            </a:endParaRPr>
+          </a:p>
+        </p:txBody>
+      </p:sp>
+      <p:cxnSp>
+        <p:nvCxnSpPr>
+          <p:cNvPr id="72" name="Elbow Connector 63">
+            <a:extLst>
+              <a:ext uri="{FF2B5EF4-FFF2-40B4-BE49-F238E27FC236}">
+                <a16:creationId xmlns:a16="http://schemas.microsoft.com/office/drawing/2014/main" id="{2545E8B1-CD8A-3A41-86C9-4C9E25119184}"/>
+              </a:ext>
+            </a:extLst>
+          </p:cNvPr>
+          <p:cNvCxnSpPr>
+            <a:cxnSpLocks/>
+          </p:cNvCxnSpPr>
+          <p:nvPr/>
+        </p:nvCxnSpPr>
+        <p:spPr>
+          <a:xfrm rot="16200000" flipH="1">
+            <a:off x="2842579" y="4403662"/>
+            <a:ext cx="557054" cy="207331"/>
+          </a:xfrm>
+          <a:prstGeom prst="bentConnector3">
+            <a:avLst>
+              <a:gd name="adj1" fmla="val 50000"/>
+            </a:avLst>
+          </a:prstGeom>
+          <a:ln w="19050">
+            <a:solidFill>
+              <a:schemeClr val="accent3"/>
+            </a:solidFill>
+            <a:headEnd type="none" w="med" len="med"/>
+            <a:tailEnd type="arrow" w="med" len="med"/>
+          </a:ln>
+          <a:effectLst/>
+        </p:spPr>
+        <p:style>
+          <a:lnRef idx="1">
+            <a:schemeClr val="accent2"/>
+          </a:lnRef>
+          <a:fillRef idx="2">
+            <a:schemeClr val="accent2"/>
+          </a:fillRef>
+          <a:effectRef idx="1">
+            <a:schemeClr val="accent2"/>
+          </a:effectRef>
+          <a:fontRef idx="minor">
+            <a:schemeClr val="dk1"/>
+          </a:fontRef>
+        </p:style>
+      </p:cxnSp>
+      <p:cxnSp>
+        <p:nvCxnSpPr>
+          <p:cNvPr id="76" name="Elbow Connector 63">
+            <a:extLst>
+              <a:ext uri="{FF2B5EF4-FFF2-40B4-BE49-F238E27FC236}">
+                <a16:creationId xmlns:a16="http://schemas.microsoft.com/office/drawing/2014/main" id="{436352A9-794A-A04D-834E-CCD75C10913C}"/>
+              </a:ext>
+            </a:extLst>
+          </p:cNvPr>
+          <p:cNvCxnSpPr>
+            <a:cxnSpLocks/>
+            <a:endCxn id="46" idx="1"/>
+          </p:cNvCxnSpPr>
+          <p:nvPr/>
+        </p:nvCxnSpPr>
+        <p:spPr>
+          <a:xfrm>
+            <a:off x="3266324" y="4228801"/>
+            <a:ext cx="543541" cy="72379"/>
+          </a:xfrm>
+          <a:prstGeom prst="bentConnector3">
+            <a:avLst>
+              <a:gd name="adj1" fmla="val 50000"/>
+            </a:avLst>
+          </a:prstGeom>
+          <a:ln w="19050">
+            <a:solidFill>
+              <a:schemeClr val="accent3"/>
+            </a:solidFill>
+            <a:headEnd type="none" w="med" len="med"/>
+            <a:tailEnd type="arrow" w="med" len="med"/>
+          </a:ln>
+          <a:effectLst/>
+        </p:spPr>
+        <p:style>
+          <a:lnRef idx="1">
+            <a:schemeClr val="accent2"/>
+          </a:lnRef>
+          <a:fillRef idx="2">
+            <a:schemeClr val="accent2"/>
+          </a:fillRef>
+          <a:effectRef idx="1">
+            <a:schemeClr val="accent2"/>
+          </a:effectRef>
+          <a:fontRef idx="minor">
+            <a:schemeClr val="dk1"/>
+          </a:fontRef>
+        </p:style>
+      </p:cxnSp>
+      <p:cxnSp>
+        <p:nvCxnSpPr>
+          <p:cNvPr id="65" name="Elbow Connector 64">
+            <a:extLst>
+              <a:ext uri="{FF2B5EF4-FFF2-40B4-BE49-F238E27FC236}">
+                <a16:creationId xmlns:a16="http://schemas.microsoft.com/office/drawing/2014/main" id="{7609D3D6-6920-7E44-90DD-EB2186D2FC4F}"/>
+              </a:ext>
+            </a:extLst>
+          </p:cNvPr>
+          <p:cNvCxnSpPr>
+            <a:cxnSpLocks/>
+            <a:endCxn id="48" idx="1"/>
+          </p:cNvCxnSpPr>
+          <p:nvPr/>
+        </p:nvCxnSpPr>
+        <p:spPr>
+          <a:xfrm>
+            <a:off x="3352800" y="4228800"/>
+            <a:ext cx="460158" cy="377180"/>
+          </a:xfrm>
+          <a:prstGeom prst="bentConnector3">
+            <a:avLst>
+              <a:gd name="adj1" fmla="val -2293"/>
+            </a:avLst>
+          </a:prstGeom>
+          <a:ln w="19050">
+            <a:solidFill>
+              <a:schemeClr val="accent3"/>
+            </a:solidFill>
+            <a:tailEnd type="triangle"/>
+          </a:ln>
+        </p:spPr>
+        <p:style>
+          <a:lnRef idx="1">
+            <a:schemeClr val="accent1"/>
+          </a:lnRef>
+          <a:fillRef idx="0">
+            <a:schemeClr val="accent1"/>
+          </a:fillRef>
+          <a:effectRef idx="0">
+            <a:schemeClr val="accent1"/>
+          </a:effectRef>
+          <a:fontRef idx="minor">
+            <a:schemeClr val="tx1"/>
+          </a:fontRef>
+        </p:style>
+      </p:cxnSp>
+      <p:cxnSp>
+        <p:nvCxnSpPr>
+          <p:cNvPr id="69" name="Elbow Connector 68">
+            <a:extLst>
+              <a:ext uri="{FF2B5EF4-FFF2-40B4-BE49-F238E27FC236}">
+                <a16:creationId xmlns:a16="http://schemas.microsoft.com/office/drawing/2014/main" id="{FD2641F4-9D29-D645-9BF2-C9E53B501673}"/>
+              </a:ext>
+            </a:extLst>
+          </p:cNvPr>
+          <p:cNvCxnSpPr>
+            <a:cxnSpLocks/>
+            <a:stCxn id="46" idx="0"/>
+            <a:endCxn id="54" idx="1"/>
+          </p:cNvCxnSpPr>
+          <p:nvPr/>
+        </p:nvCxnSpPr>
+        <p:spPr>
+          <a:xfrm rot="5400000" flipH="1" flipV="1">
+            <a:off x="4558372" y="3737392"/>
+            <a:ext cx="243678" cy="647057"/>
+          </a:xfrm>
+          <a:prstGeom prst="bentConnector2">
+            <a:avLst/>
+          </a:prstGeom>
+          <a:ln w="19050">
+            <a:solidFill>
+              <a:schemeClr val="accent3"/>
+            </a:solidFill>
+            <a:tailEnd type="triangle"/>
+          </a:ln>
+        </p:spPr>
+        <p:style>
+          <a:lnRef idx="1">
+            <a:schemeClr val="accent1"/>
+          </a:lnRef>
+          <a:fillRef idx="0">
+            <a:schemeClr val="accent1"/>
+          </a:fillRef>
+          <a:effectRef idx="0">
+            <a:schemeClr val="accent1"/>
+          </a:effectRef>
+          <a:fontRef idx="minor">
+            <a:schemeClr val="tx1"/>
+          </a:fontRef>
+        </p:style>
+      </p:cxnSp>
+      <p:cxnSp>
+        <p:nvCxnSpPr>
+          <p:cNvPr id="95" name="Elbow Connector 94">
+            <a:extLst>
+              <a:ext uri="{FF2B5EF4-FFF2-40B4-BE49-F238E27FC236}">
+                <a16:creationId xmlns:a16="http://schemas.microsoft.com/office/drawing/2014/main" id="{44357ADD-5318-E142-9FF0-C111C618DB9F}"/>
+              </a:ext>
+            </a:extLst>
+          </p:cNvPr>
+          <p:cNvCxnSpPr>
+            <a:cxnSpLocks/>
+            <a:stCxn id="48" idx="2"/>
+            <a:endCxn id="52" idx="1"/>
+          </p:cNvCxnSpPr>
+          <p:nvPr/>
+        </p:nvCxnSpPr>
+        <p:spPr>
+          <a:xfrm rot="16200000" flipH="1">
+            <a:off x="4534906" y="4549270"/>
+            <a:ext cx="271101" cy="621360"/>
+          </a:xfrm>
+          <a:prstGeom prst="bentConnector2">
+            <a:avLst/>
+          </a:prstGeom>
+          <a:ln w="19050">
+            <a:solidFill>
+              <a:schemeClr val="accent3"/>
+            </a:solidFill>
+            <a:tailEnd type="triangle"/>
+          </a:ln>
+        </p:spPr>
+        <p:style>
+          <a:lnRef idx="1">
+            <a:schemeClr val="accent1"/>
+          </a:lnRef>
+          <a:fillRef idx="0">
+            <a:schemeClr val="accent1"/>
+          </a:fillRef>
+          <a:effectRef idx="0">
+            <a:schemeClr val="accent1"/>
+          </a:effectRef>
+          <a:fontRef idx="minor">
+            <a:schemeClr val="tx1"/>
+          </a:fontRef>
+        </p:style>
+      </p:cxnSp>
+      <p:cxnSp>
+        <p:nvCxnSpPr>
+          <p:cNvPr id="81" name="Straight Arrow Connector 80">
+            <a:extLst>
+              <a:ext uri="{FF2B5EF4-FFF2-40B4-BE49-F238E27FC236}">
+                <a16:creationId xmlns:a16="http://schemas.microsoft.com/office/drawing/2014/main" id="{E99AD8B5-313E-5B43-A924-0942722183BE}"/>
+              </a:ext>
+            </a:extLst>
+          </p:cNvPr>
+          <p:cNvCxnSpPr>
+            <a:stCxn id="46" idx="3"/>
+            <a:endCxn id="55" idx="1"/>
+          </p:cNvCxnSpPr>
+          <p:nvPr/>
+        </p:nvCxnSpPr>
+        <p:spPr>
+          <a:xfrm>
+            <a:off x="4903500" y="4301180"/>
+            <a:ext cx="123703" cy="4840"/>
+          </a:xfrm>
+          <a:prstGeom prst="straightConnector1">
+            <a:avLst/>
+          </a:prstGeom>
+          <a:ln w="19050">
+            <a:solidFill>
+              <a:schemeClr val="accent3"/>
+            </a:solidFill>
+            <a:tailEnd type="triangle"/>
+          </a:ln>
+        </p:spPr>
+        <p:style>
+          <a:lnRef idx="1">
+            <a:schemeClr val="accent1"/>
+          </a:lnRef>
+          <a:fillRef idx="0">
+            <a:schemeClr val="accent1"/>
+          </a:fillRef>
+          <a:effectRef idx="0">
+            <a:schemeClr val="accent1"/>
+          </a:effectRef>
+          <a:fontRef idx="minor">
+            <a:schemeClr val="tx1"/>
+          </a:fontRef>
+        </p:style>
+      </p:cxnSp>
+      <p:cxnSp>
+        <p:nvCxnSpPr>
+          <p:cNvPr id="84" name="Straight Arrow Connector 83">
+            <a:extLst>
+              <a:ext uri="{FF2B5EF4-FFF2-40B4-BE49-F238E27FC236}">
+                <a16:creationId xmlns:a16="http://schemas.microsoft.com/office/drawing/2014/main" id="{D93419E0-7E28-2543-A01B-018A56908328}"/>
+              </a:ext>
+            </a:extLst>
+          </p:cNvPr>
+          <p:cNvCxnSpPr>
+            <a:stCxn id="48" idx="3"/>
+            <a:endCxn id="51" idx="1"/>
+          </p:cNvCxnSpPr>
+          <p:nvPr/>
+        </p:nvCxnSpPr>
+        <p:spPr>
+          <a:xfrm>
+            <a:off x="4906593" y="4605980"/>
+            <a:ext cx="135520" cy="25037"/>
+          </a:xfrm>
+          <a:prstGeom prst="straightConnector1">
+            <a:avLst/>
+          </a:prstGeom>
+          <a:ln w="19050">
+            <a:solidFill>
+              <a:schemeClr val="accent3"/>
+            </a:solidFill>
+            <a:tailEnd type="triangle"/>
+          </a:ln>
+        </p:spPr>
+        <p:style>
+          <a:lnRef idx="1">
+            <a:schemeClr val="accent1"/>
+          </a:lnRef>
+          <a:fillRef idx="0">
+            <a:schemeClr val="accent1"/>
+          </a:fillRef>
+          <a:effectRef idx="0">
+            <a:schemeClr val="accent1"/>
+          </a:effectRef>
+          <a:fontRef idx="minor">
+            <a:schemeClr val="tx1"/>
+          </a:fontRef>
+        </p:style>
+      </p:cxnSp>
+      <p:cxnSp>
+        <p:nvCxnSpPr>
+          <p:cNvPr id="108" name="Elbow Connector 63">
+            <a:extLst>
+              <a:ext uri="{FF2B5EF4-FFF2-40B4-BE49-F238E27FC236}">
+                <a16:creationId xmlns:a16="http://schemas.microsoft.com/office/drawing/2014/main" id="{0F85EC50-3DC6-024D-934D-8F24283504E4}"/>
+              </a:ext>
+            </a:extLst>
+          </p:cNvPr>
+          <p:cNvCxnSpPr>
+            <a:cxnSpLocks/>
+            <a:stCxn id="16" idx="3"/>
+            <a:endCxn id="54" idx="3"/>
+          </p:cNvCxnSpPr>
+          <p:nvPr/>
+        </p:nvCxnSpPr>
+        <p:spPr>
+          <a:xfrm rot="5400000">
+            <a:off x="5361016" y="3017399"/>
+            <a:ext cx="1658041" cy="185322"/>
+          </a:xfrm>
+          <a:prstGeom prst="bentConnector2">
+            <a:avLst/>
+          </a:prstGeom>
+          <a:ln w="6350">
+            <a:solidFill>
+              <a:schemeClr val="accent3"/>
+            </a:solidFill>
+            <a:headEnd type="none" w="med" len="med"/>
+            <a:tailEnd type="none" w="med" len="med"/>
+          </a:ln>
+          <a:effectLst/>
+        </p:spPr>
+        <p:style>
+          <a:lnRef idx="1">
+            <a:schemeClr val="accent2"/>
+          </a:lnRef>
+          <a:fillRef idx="2">
+            <a:schemeClr val="accent2"/>
+          </a:fillRef>
+          <a:effectRef idx="1">
+            <a:schemeClr val="accent2"/>
+          </a:effectRef>
+          <a:fontRef idx="minor">
+            <a:schemeClr val="dk1"/>
+          </a:fontRef>
+        </p:style>
+      </p:cxnSp>
+      <p:cxnSp>
+        <p:nvCxnSpPr>
+          <p:cNvPr id="112" name="Elbow Connector 63">
+            <a:extLst>
+              <a:ext uri="{FF2B5EF4-FFF2-40B4-BE49-F238E27FC236}">
+                <a16:creationId xmlns:a16="http://schemas.microsoft.com/office/drawing/2014/main" id="{15A77954-61DA-E543-B690-4CB491524029}"/>
+              </a:ext>
+            </a:extLst>
+          </p:cNvPr>
+          <p:cNvCxnSpPr>
+            <a:cxnSpLocks/>
+            <a:stCxn id="16" idx="3"/>
+            <a:endCxn id="55" idx="3"/>
+          </p:cNvCxnSpPr>
+          <p:nvPr/>
+        </p:nvCxnSpPr>
+        <p:spPr>
+          <a:xfrm rot="5400000">
+            <a:off x="5189278" y="3212601"/>
+            <a:ext cx="2024980" cy="161859"/>
+          </a:xfrm>
+          <a:prstGeom prst="bentConnector2">
+            <a:avLst/>
+          </a:prstGeom>
+          <a:ln w="6350">
+            <a:solidFill>
+              <a:schemeClr val="accent3"/>
+            </a:solidFill>
+            <a:headEnd type="none" w="med" len="med"/>
+            <a:tailEnd type="none" w="med" len="med"/>
+          </a:ln>
+          <a:effectLst/>
+        </p:spPr>
+        <p:style>
+          <a:lnRef idx="1">
+            <a:schemeClr val="accent2"/>
+          </a:lnRef>
+          <a:fillRef idx="2">
+            <a:schemeClr val="accent2"/>
+          </a:fillRef>
+          <a:effectRef idx="1">
+            <a:schemeClr val="accent2"/>
+          </a:effectRef>
+          <a:fontRef idx="minor">
+            <a:schemeClr val="dk1"/>
+          </a:fontRef>
+        </p:style>
+      </p:cxnSp>
+      <p:cxnSp>
+        <p:nvCxnSpPr>
+          <p:cNvPr id="122" name="Elbow Connector 63">
+            <a:extLst>
+              <a:ext uri="{FF2B5EF4-FFF2-40B4-BE49-F238E27FC236}">
+                <a16:creationId xmlns:a16="http://schemas.microsoft.com/office/drawing/2014/main" id="{A28BBB72-9CEA-6048-A61E-26933726438C}"/>
+              </a:ext>
+            </a:extLst>
+          </p:cNvPr>
+          <p:cNvCxnSpPr>
+            <a:cxnSpLocks/>
+            <a:stCxn id="16" idx="3"/>
+            <a:endCxn id="51" idx="3"/>
+          </p:cNvCxnSpPr>
+          <p:nvPr/>
+        </p:nvCxnSpPr>
+        <p:spPr>
+          <a:xfrm rot="5400000">
+            <a:off x="5034235" y="3382554"/>
+            <a:ext cx="2349977" cy="146949"/>
+          </a:xfrm>
+          <a:prstGeom prst="bentConnector2">
+            <a:avLst/>
+          </a:prstGeom>
+          <a:ln w="6350">
+            <a:solidFill>
+              <a:schemeClr val="accent3"/>
+            </a:solidFill>
+            <a:headEnd type="none" w="med" len="med"/>
+            <a:tailEnd type="none" w="med" len="med"/>
+          </a:ln>
+          <a:effectLst/>
+        </p:spPr>
+        <p:style>
+          <a:lnRef idx="1">
+            <a:schemeClr val="accent2"/>
+          </a:lnRef>
+          <a:fillRef idx="2">
+            <a:schemeClr val="accent2"/>
+          </a:fillRef>
+          <a:effectRef idx="1">
+            <a:schemeClr val="accent2"/>
+          </a:effectRef>
+          <a:fontRef idx="minor">
+            <a:schemeClr val="dk1"/>
+          </a:fontRef>
+        </p:style>
+      </p:cxnSp>
+      <p:cxnSp>
+        <p:nvCxnSpPr>
+          <p:cNvPr id="123" name="Elbow Connector 63">
+            <a:extLst>
+              <a:ext uri="{FF2B5EF4-FFF2-40B4-BE49-F238E27FC236}">
+                <a16:creationId xmlns:a16="http://schemas.microsoft.com/office/drawing/2014/main" id="{7323032C-3DEB-3242-B6CD-73D67CC8E772}"/>
+              </a:ext>
+            </a:extLst>
+          </p:cNvPr>
+          <p:cNvCxnSpPr>
+            <a:cxnSpLocks/>
+            <a:stCxn id="16" idx="3"/>
+            <a:endCxn id="52" idx="3"/>
+          </p:cNvCxnSpPr>
+          <p:nvPr/>
+        </p:nvCxnSpPr>
+        <p:spPr>
+          <a:xfrm rot="5400000">
+            <a:off x="4848579" y="3561382"/>
+            <a:ext cx="2714461" cy="153776"/>
+          </a:xfrm>
+          <a:prstGeom prst="bentConnector2">
+            <a:avLst/>
+          </a:prstGeom>
+          <a:ln w="6350">
+            <a:solidFill>
+              <a:schemeClr val="accent3"/>
+            </a:solidFill>
+            <a:headEnd type="none" w="med" len="med"/>
+            <a:tailEnd type="none" w="med" len="med"/>
+          </a:ln>
+          <a:effectLst/>
+        </p:spPr>
+        <p:style>
+          <a:lnRef idx="1">
+            <a:schemeClr val="accent2"/>
+          </a:lnRef>
+          <a:fillRef idx="2">
+            <a:schemeClr val="accent2"/>
+          </a:fillRef>
+          <a:effectRef idx="1">
+            <a:schemeClr val="accent2"/>
+          </a:effectRef>
+          <a:fontRef idx="minor">
+            <a:schemeClr val="dk1"/>
+          </a:fontRef>
+        </p:style>
+      </p:cxnSp>
+      <p:sp>
+        <p:nvSpPr>
+          <p:cNvPr id="124" name="Freeform 123">
+            <a:extLst>
+              <a:ext uri="{FF2B5EF4-FFF2-40B4-BE49-F238E27FC236}">
+                <a16:creationId xmlns:a16="http://schemas.microsoft.com/office/drawing/2014/main" id="{1DC504AB-82B9-764E-955E-A80C49CB49F8}"/>
+              </a:ext>
+            </a:extLst>
+          </p:cNvPr>
+          <p:cNvSpPr/>
+          <p:nvPr/>
+        </p:nvSpPr>
+        <p:spPr>
+          <a:xfrm flipV="1">
+            <a:off x="6135748" y="4982543"/>
+            <a:ext cx="1192987" cy="131378"/>
+          </a:xfrm>
+          <a:custGeom>
+            <a:avLst/>
+            <a:gdLst>
+              <a:gd name="connsiteX0" fmla="*/ 0 w 3048000"/>
+              <a:gd name="connsiteY0" fmla="*/ 203200 h 203200"/>
+              <a:gd name="connsiteX1" fmla="*/ 221673 w 3048000"/>
+              <a:gd name="connsiteY1" fmla="*/ 0 h 203200"/>
+              <a:gd name="connsiteX2" fmla="*/ 3048000 w 3048000"/>
+              <a:gd name="connsiteY2" fmla="*/ 0 h 203200"/>
+            </a:gdLst>
+            <a:ahLst/>
+            <a:cxnLst>
+              <a:cxn ang="0">
+                <a:pos x="connsiteX0" y="connsiteY0"/>
+              </a:cxn>
+              <a:cxn ang="0">
+                <a:pos x="connsiteX1" y="connsiteY1"/>
+              </a:cxn>
+              <a:cxn ang="0">
+                <a:pos x="connsiteX2" y="connsiteY2"/>
+              </a:cxn>
+            </a:cxnLst>
+            <a:rect l="l" t="t" r="r" b="b"/>
+            <a:pathLst>
+              <a:path w="3048000" h="203200">
+                <a:moveTo>
+                  <a:pt x="0" y="203200"/>
+                </a:moveTo>
+                <a:lnTo>
+                  <a:pt x="221673" y="0"/>
+                </a:lnTo>
+                <a:lnTo>
+                  <a:pt x="3048000" y="0"/>
+                </a:lnTo>
+              </a:path>
+            </a:pathLst>
+          </a:custGeom>
+          <a:noFill/>
+          <a:ln w="19050">
+            <a:solidFill>
+              <a:schemeClr val="accent3"/>
+            </a:solidFill>
+            <a:prstDash val="sysDot"/>
+            <a:headEnd type="none" w="med" len="med"/>
+            <a:tailEnd type="arrow" w="med" len="med"/>
+          </a:ln>
+          <a:effectLst/>
+        </p:spPr>
+        <p:style>
+          <a:lnRef idx="1">
+            <a:schemeClr val="accent2"/>
+          </a:lnRef>
+          <a:fillRef idx="2">
+            <a:schemeClr val="accent2"/>
+          </a:fillRef>
+          <a:effectRef idx="1">
+            <a:schemeClr val="accent2"/>
+          </a:effectRef>
+          <a:fontRef idx="minor">
+            <a:schemeClr val="dk1"/>
+          </a:fontRef>
+        </p:style>
+        <p:txBody>
+          <a:bodyPr rtlCol="0" anchor="ctr"/>
+          <a:lstStyle/>
+          <a:p>
+            <a:pPr algn="ctr"/>
+            <a:endParaRPr lang="en-SG"/>
+          </a:p>
+        </p:txBody>
+      </p:sp>
+      <p:sp>
+        <p:nvSpPr>
+          <p:cNvPr id="126" name="Freeform 125">
+            <a:extLst>
+              <a:ext uri="{FF2B5EF4-FFF2-40B4-BE49-F238E27FC236}">
+                <a16:creationId xmlns:a16="http://schemas.microsoft.com/office/drawing/2014/main" id="{39DA5F72-6C3B-C143-9A1F-770D51A4C4F0}"/>
+              </a:ext>
+            </a:extLst>
+          </p:cNvPr>
+          <p:cNvSpPr/>
+          <p:nvPr/>
+        </p:nvSpPr>
+        <p:spPr>
+          <a:xfrm flipV="1">
+            <a:off x="6125363" y="4701997"/>
+            <a:ext cx="1192987" cy="131378"/>
+          </a:xfrm>
+          <a:custGeom>
+            <a:avLst/>
+            <a:gdLst>
+              <a:gd name="connsiteX0" fmla="*/ 0 w 3048000"/>
+              <a:gd name="connsiteY0" fmla="*/ 203200 h 203200"/>
+              <a:gd name="connsiteX1" fmla="*/ 221673 w 3048000"/>
+              <a:gd name="connsiteY1" fmla="*/ 0 h 203200"/>
+              <a:gd name="connsiteX2" fmla="*/ 3048000 w 3048000"/>
+              <a:gd name="connsiteY2" fmla="*/ 0 h 203200"/>
+            </a:gdLst>
+            <a:ahLst/>
+            <a:cxnLst>
+              <a:cxn ang="0">
+                <a:pos x="connsiteX0" y="connsiteY0"/>
+              </a:cxn>
+              <a:cxn ang="0">
+                <a:pos x="connsiteX1" y="connsiteY1"/>
+              </a:cxn>
+              <a:cxn ang="0">
+                <a:pos x="connsiteX2" y="connsiteY2"/>
+              </a:cxn>
+            </a:cxnLst>
+            <a:rect l="l" t="t" r="r" b="b"/>
+            <a:pathLst>
+              <a:path w="3048000" h="203200">
+                <a:moveTo>
+                  <a:pt x="0" y="203200"/>
+                </a:moveTo>
+                <a:lnTo>
+                  <a:pt x="221673" y="0"/>
+                </a:lnTo>
+                <a:lnTo>
+                  <a:pt x="3048000" y="0"/>
+                </a:lnTo>
+              </a:path>
+            </a:pathLst>
+          </a:custGeom>
+          <a:noFill/>
+          <a:ln w="19050">
+            <a:solidFill>
+              <a:schemeClr val="accent3"/>
+            </a:solidFill>
+            <a:prstDash val="sysDot"/>
+            <a:headEnd type="none" w="med" len="med"/>
+            <a:tailEnd type="arrow" w="med" len="med"/>
+          </a:ln>
+          <a:effectLst/>
+        </p:spPr>
+        <p:style>
+          <a:lnRef idx="1">
+            <a:schemeClr val="accent2"/>
+          </a:lnRef>
+          <a:fillRef idx="2">
+            <a:schemeClr val="accent2"/>
+          </a:fillRef>
+          <a:effectRef idx="1">
+            <a:schemeClr val="accent2"/>
+          </a:effectRef>
+          <a:fontRef idx="minor">
+            <a:schemeClr val="dk1"/>
+          </a:fontRef>
+        </p:style>
+        <p:txBody>
+          <a:bodyPr rtlCol="0" anchor="ctr"/>
+          <a:lstStyle/>
+          <a:p>
+            <a:pPr algn="ctr"/>
+            <a:endParaRPr lang="en-SG"/>
+          </a:p>
+        </p:txBody>
+      </p:sp>
+      <p:sp>
+        <p:nvSpPr>
+          <p:cNvPr id="127" name="Freeform 126">
+            <a:extLst>
+              <a:ext uri="{FF2B5EF4-FFF2-40B4-BE49-F238E27FC236}">
+                <a16:creationId xmlns:a16="http://schemas.microsoft.com/office/drawing/2014/main" id="{972E9E7E-0E2B-F444-AE0D-9AFB935240E6}"/>
+              </a:ext>
+            </a:extLst>
+          </p:cNvPr>
+          <p:cNvSpPr/>
+          <p:nvPr/>
+        </p:nvSpPr>
+        <p:spPr>
+          <a:xfrm flipV="1">
+            <a:off x="6125362" y="4364042"/>
+            <a:ext cx="1192987" cy="131378"/>
+          </a:xfrm>
+          <a:custGeom>
+            <a:avLst/>
+            <a:gdLst>
+              <a:gd name="connsiteX0" fmla="*/ 0 w 3048000"/>
+              <a:gd name="connsiteY0" fmla="*/ 203200 h 203200"/>
+              <a:gd name="connsiteX1" fmla="*/ 221673 w 3048000"/>
+              <a:gd name="connsiteY1" fmla="*/ 0 h 203200"/>
+              <a:gd name="connsiteX2" fmla="*/ 3048000 w 3048000"/>
+              <a:gd name="connsiteY2" fmla="*/ 0 h 203200"/>
+            </a:gdLst>
+            <a:ahLst/>
+            <a:cxnLst>
+              <a:cxn ang="0">
+                <a:pos x="connsiteX0" y="connsiteY0"/>
+              </a:cxn>
+              <a:cxn ang="0">
+                <a:pos x="connsiteX1" y="connsiteY1"/>
+              </a:cxn>
+              <a:cxn ang="0">
+                <a:pos x="connsiteX2" y="connsiteY2"/>
+              </a:cxn>
+            </a:cxnLst>
+            <a:rect l="l" t="t" r="r" b="b"/>
+            <a:pathLst>
+              <a:path w="3048000" h="203200">
+                <a:moveTo>
+                  <a:pt x="0" y="203200"/>
+                </a:moveTo>
+                <a:lnTo>
+                  <a:pt x="221673" y="0"/>
+                </a:lnTo>
+                <a:lnTo>
+                  <a:pt x="3048000" y="0"/>
+                </a:lnTo>
+              </a:path>
+            </a:pathLst>
+          </a:custGeom>
+          <a:noFill/>
+          <a:ln w="19050">
+            <a:solidFill>
+              <a:schemeClr val="accent3"/>
+            </a:solidFill>
+            <a:prstDash val="sysDot"/>
+            <a:headEnd type="none" w="med" len="med"/>
+            <a:tailEnd type="arrow" w="med" len="med"/>
+          </a:ln>
+          <a:effectLst/>
+        </p:spPr>
+        <p:style>
+          <a:lnRef idx="1">
+            <a:schemeClr val="accent2"/>
+          </a:lnRef>
+          <a:fillRef idx="2">
+            <a:schemeClr val="accent2"/>
+          </a:fillRef>
+          <a:effectRef idx="1">
+            <a:schemeClr val="accent2"/>
+          </a:effectRef>
+          <a:fontRef idx="minor">
+            <a:schemeClr val="dk1"/>
+          </a:fontRef>
+        </p:style>
+        <p:txBody>
+          <a:bodyPr rtlCol="0" anchor="ctr"/>
+          <a:lstStyle/>
+          <a:p>
+            <a:pPr algn="ctr"/>
+            <a:endParaRPr lang="en-SG"/>
+          </a:p>
+        </p:txBody>
+      </p:sp>
+      <p:sp>
+        <p:nvSpPr>
+          <p:cNvPr id="128" name="Freeform 127">
+            <a:extLst>
+              <a:ext uri="{FF2B5EF4-FFF2-40B4-BE49-F238E27FC236}">
+                <a16:creationId xmlns:a16="http://schemas.microsoft.com/office/drawing/2014/main" id="{66973E77-C71F-C54A-9B26-3C27516D741B}"/>
+              </a:ext>
+            </a:extLst>
+          </p:cNvPr>
+          <p:cNvSpPr/>
+          <p:nvPr/>
+        </p:nvSpPr>
+        <p:spPr>
+          <a:xfrm flipV="1">
+            <a:off x="6104689" y="4017758"/>
+            <a:ext cx="1230394" cy="158673"/>
+          </a:xfrm>
+          <a:custGeom>
+            <a:avLst/>
+            <a:gdLst>
+              <a:gd name="connsiteX0" fmla="*/ 0 w 3048000"/>
+              <a:gd name="connsiteY0" fmla="*/ 203200 h 203200"/>
+              <a:gd name="connsiteX1" fmla="*/ 221673 w 3048000"/>
+              <a:gd name="connsiteY1" fmla="*/ 0 h 203200"/>
+              <a:gd name="connsiteX2" fmla="*/ 3048000 w 3048000"/>
+              <a:gd name="connsiteY2" fmla="*/ 0 h 203200"/>
+            </a:gdLst>
+            <a:ahLst/>
+            <a:cxnLst>
+              <a:cxn ang="0">
+                <a:pos x="connsiteX0" y="connsiteY0"/>
+              </a:cxn>
+              <a:cxn ang="0">
+                <a:pos x="connsiteX1" y="connsiteY1"/>
+              </a:cxn>
+              <a:cxn ang="0">
+                <a:pos x="connsiteX2" y="connsiteY2"/>
+              </a:cxn>
+            </a:cxnLst>
+            <a:rect l="l" t="t" r="r" b="b"/>
+            <a:pathLst>
+              <a:path w="3048000" h="203200">
+                <a:moveTo>
+                  <a:pt x="0" y="203200"/>
+                </a:moveTo>
+                <a:lnTo>
+                  <a:pt x="221673" y="0"/>
+                </a:lnTo>
+                <a:lnTo>
+                  <a:pt x="3048000" y="0"/>
+                </a:lnTo>
+              </a:path>
+            </a:pathLst>
+          </a:custGeom>
+          <a:noFill/>
+          <a:ln w="19050">
+            <a:solidFill>
+              <a:schemeClr val="accent3"/>
+            </a:solidFill>
+            <a:prstDash val="sysDot"/>
+            <a:headEnd type="none" w="med" len="med"/>
+            <a:tailEnd type="arrow" w="med" len="med"/>
+          </a:ln>
+          <a:effectLst/>
+        </p:spPr>
+        <p:style>
+          <a:lnRef idx="1">
+            <a:schemeClr val="accent2"/>
+          </a:lnRef>
+          <a:fillRef idx="2">
+            <a:schemeClr val="accent2"/>
+          </a:fillRef>
+          <a:effectRef idx="1">
+            <a:schemeClr val="accent2"/>
+          </a:effectRef>
+          <a:fontRef idx="minor">
+            <a:schemeClr val="dk1"/>
+          </a:fontRef>
+        </p:style>
+        <p:txBody>
+          <a:bodyPr rtlCol="0" anchor="ctr"/>
+          <a:lstStyle/>
+          <a:p>
+            <a:pPr algn="ctr"/>
+            <a:endParaRPr lang="en-SG"/>
+          </a:p>
+        </p:txBody>
+      </p:sp>
+    </p:spTree>
+    <p:extLst>
+      <p:ext uri="{BB962C8B-B14F-4D97-AF65-F5344CB8AC3E}">
+        <p14:creationId xmlns:p14="http://schemas.microsoft.com/office/powerpoint/2010/main" val="3094121677"/>
       </p:ext>
     </p:extLst>
   </p:cSld>

--- a/docs/diagrams/UiComponentClassDiagram.pptx
+++ b/docs/diagrams/UiComponentClassDiagram.pptx
@@ -176,7 +176,7 @@
             </a:lvl1pPr>
           </a:lstStyle>
           <a:p>
-            <a:endParaRPr lang="en-US"/>
+            <a:endParaRPr lang="en-US" dirty="0"/>
           </a:p>
         </p:txBody>
       </p:sp>
@@ -209,9 +209,9 @@
           <a:p>
             <a:fld id="{F5CC4B3F-88C1-4FFA-B1B6-F41C21DC6924}" type="datetimeFigureOut">
               <a:rPr lang="en-US" smtClean="0"/>
-              <a:t>11/6/18</a:t>
+              <a:t>11/7/18</a:t>
             </a:fld>
-            <a:endParaRPr lang="en-US"/>
+            <a:endParaRPr lang="en-US" dirty="0"/>
           </a:p>
         </p:txBody>
       </p:sp>
@@ -244,7 +244,7 @@
           <a:bodyPr vert="horz" lIns="91440" tIns="45720" rIns="91440" bIns="45720" rtlCol="0" anchor="ctr"/>
           <a:lstStyle/>
           <a:p>
-            <a:endParaRPr lang="en-US"/>
+            <a:endParaRPr lang="en-US" dirty="0"/>
           </a:p>
         </p:txBody>
       </p:sp>
@@ -334,7 +334,7 @@
             </a:lvl1pPr>
           </a:lstStyle>
           <a:p>
-            <a:endParaRPr lang="en-US"/>
+            <a:endParaRPr lang="en-US" dirty="0"/>
           </a:p>
         </p:txBody>
       </p:sp>
@@ -369,7 +369,7 @@
               <a:rPr lang="en-US" smtClean="0"/>
               <a:t>‹#›</a:t>
             </a:fld>
-            <a:endParaRPr lang="en-US"/>
+            <a:endParaRPr lang="en-US" dirty="0"/>
           </a:p>
         </p:txBody>
       </p:sp>
@@ -543,7 +543,7 @@
               <a:rPr lang="en-US" smtClean="0"/>
               <a:t>2</a:t>
             </a:fld>
-            <a:endParaRPr lang="en-US"/>
+            <a:endParaRPr lang="en-US" dirty="0"/>
           </a:p>
         </p:txBody>
       </p:sp>
@@ -739,9 +739,9 @@
           <a:p>
             <a:fld id="{78C97017-6FC3-485B-9764-EAC9E56C1D49}" type="datetimeFigureOut">
               <a:rPr lang="en-US" smtClean="0"/>
-              <a:t>11/6/18</a:t>
+              <a:t>11/7/18</a:t>
             </a:fld>
-            <a:endParaRPr lang="en-US"/>
+            <a:endParaRPr lang="en-US" dirty="0"/>
           </a:p>
         </p:txBody>
       </p:sp>
@@ -760,7 +760,7 @@
           <a:bodyPr/>
           <a:lstStyle/>
           <a:p>
-            <a:endParaRPr lang="en-US"/>
+            <a:endParaRPr lang="en-US" dirty="0"/>
           </a:p>
         </p:txBody>
       </p:sp>
@@ -783,7 +783,7 @@
               <a:rPr lang="en-US" smtClean="0"/>
               <a:t>‹#›</a:t>
             </a:fld>
-            <a:endParaRPr lang="en-US"/>
+            <a:endParaRPr lang="en-US" dirty="0"/>
           </a:p>
         </p:txBody>
       </p:sp>
@@ -907,9 +907,9 @@
           <a:p>
             <a:fld id="{78C97017-6FC3-485B-9764-EAC9E56C1D49}" type="datetimeFigureOut">
               <a:rPr lang="en-US" smtClean="0"/>
-              <a:t>11/6/18</a:t>
+              <a:t>11/7/18</a:t>
             </a:fld>
-            <a:endParaRPr lang="en-US"/>
+            <a:endParaRPr lang="en-US" dirty="0"/>
           </a:p>
         </p:txBody>
       </p:sp>
@@ -928,7 +928,7 @@
           <a:bodyPr/>
           <a:lstStyle/>
           <a:p>
-            <a:endParaRPr lang="en-US"/>
+            <a:endParaRPr lang="en-US" dirty="0"/>
           </a:p>
         </p:txBody>
       </p:sp>
@@ -951,7 +951,7 @@
               <a:rPr lang="en-US" smtClean="0"/>
               <a:t>‹#›</a:t>
             </a:fld>
-            <a:endParaRPr lang="en-US"/>
+            <a:endParaRPr lang="en-US" dirty="0"/>
           </a:p>
         </p:txBody>
       </p:sp>
@@ -1085,9 +1085,9 @@
           <a:p>
             <a:fld id="{78C97017-6FC3-485B-9764-EAC9E56C1D49}" type="datetimeFigureOut">
               <a:rPr lang="en-US" smtClean="0"/>
-              <a:t>11/6/18</a:t>
+              <a:t>11/7/18</a:t>
             </a:fld>
-            <a:endParaRPr lang="en-US"/>
+            <a:endParaRPr lang="en-US" dirty="0"/>
           </a:p>
         </p:txBody>
       </p:sp>
@@ -1106,7 +1106,7 @@
           <a:bodyPr/>
           <a:lstStyle/>
           <a:p>
-            <a:endParaRPr lang="en-US"/>
+            <a:endParaRPr lang="en-US" dirty="0"/>
           </a:p>
         </p:txBody>
       </p:sp>
@@ -1129,7 +1129,7 @@
               <a:rPr lang="en-US" smtClean="0"/>
               <a:t>‹#›</a:t>
             </a:fld>
-            <a:endParaRPr lang="en-US"/>
+            <a:endParaRPr lang="en-US" dirty="0"/>
           </a:p>
         </p:txBody>
       </p:sp>
@@ -1253,9 +1253,9 @@
           <a:p>
             <a:fld id="{78C97017-6FC3-485B-9764-EAC9E56C1D49}" type="datetimeFigureOut">
               <a:rPr lang="en-US" smtClean="0"/>
-              <a:t>11/6/18</a:t>
+              <a:t>11/7/18</a:t>
             </a:fld>
-            <a:endParaRPr lang="en-US"/>
+            <a:endParaRPr lang="en-US" dirty="0"/>
           </a:p>
         </p:txBody>
       </p:sp>
@@ -1274,7 +1274,7 @@
           <a:bodyPr/>
           <a:lstStyle/>
           <a:p>
-            <a:endParaRPr lang="en-US"/>
+            <a:endParaRPr lang="en-US" dirty="0"/>
           </a:p>
         </p:txBody>
       </p:sp>
@@ -1297,7 +1297,7 @@
               <a:rPr lang="en-US" smtClean="0"/>
               <a:t>‹#›</a:t>
             </a:fld>
-            <a:endParaRPr lang="en-US"/>
+            <a:endParaRPr lang="en-US" dirty="0"/>
           </a:p>
         </p:txBody>
       </p:sp>
@@ -1498,9 +1498,9 @@
           <a:p>
             <a:fld id="{78C97017-6FC3-485B-9764-EAC9E56C1D49}" type="datetimeFigureOut">
               <a:rPr lang="en-US" smtClean="0"/>
-              <a:t>11/6/18</a:t>
+              <a:t>11/7/18</a:t>
             </a:fld>
-            <a:endParaRPr lang="en-US"/>
+            <a:endParaRPr lang="en-US" dirty="0"/>
           </a:p>
         </p:txBody>
       </p:sp>
@@ -1519,7 +1519,7 @@
           <a:bodyPr/>
           <a:lstStyle/>
           <a:p>
-            <a:endParaRPr lang="en-US"/>
+            <a:endParaRPr lang="en-US" dirty="0"/>
           </a:p>
         </p:txBody>
       </p:sp>
@@ -1542,7 +1542,7 @@
               <a:rPr lang="en-US" smtClean="0"/>
               <a:t>‹#›</a:t>
             </a:fld>
-            <a:endParaRPr lang="en-US"/>
+            <a:endParaRPr lang="en-US" dirty="0"/>
           </a:p>
         </p:txBody>
       </p:sp>
@@ -1783,9 +1783,9 @@
           <a:p>
             <a:fld id="{78C97017-6FC3-485B-9764-EAC9E56C1D49}" type="datetimeFigureOut">
               <a:rPr lang="en-US" smtClean="0"/>
-              <a:t>11/6/18</a:t>
+              <a:t>11/7/18</a:t>
             </a:fld>
-            <a:endParaRPr lang="en-US"/>
+            <a:endParaRPr lang="en-US" dirty="0"/>
           </a:p>
         </p:txBody>
       </p:sp>
@@ -1804,7 +1804,7 @@
           <a:bodyPr/>
           <a:lstStyle/>
           <a:p>
-            <a:endParaRPr lang="en-US"/>
+            <a:endParaRPr lang="en-US" dirty="0"/>
           </a:p>
         </p:txBody>
       </p:sp>
@@ -1827,7 +1827,7 @@
               <a:rPr lang="en-US" smtClean="0"/>
               <a:t>‹#›</a:t>
             </a:fld>
-            <a:endParaRPr lang="en-US"/>
+            <a:endParaRPr lang="en-US" dirty="0"/>
           </a:p>
         </p:txBody>
       </p:sp>
@@ -2202,9 +2202,9 @@
           <a:p>
             <a:fld id="{78C97017-6FC3-485B-9764-EAC9E56C1D49}" type="datetimeFigureOut">
               <a:rPr lang="en-US" smtClean="0"/>
-              <a:t>11/6/18</a:t>
+              <a:t>11/7/18</a:t>
             </a:fld>
-            <a:endParaRPr lang="en-US"/>
+            <a:endParaRPr lang="en-US" dirty="0"/>
           </a:p>
         </p:txBody>
       </p:sp>
@@ -2223,7 +2223,7 @@
           <a:bodyPr/>
           <a:lstStyle/>
           <a:p>
-            <a:endParaRPr lang="en-US"/>
+            <a:endParaRPr lang="en-US" dirty="0"/>
           </a:p>
         </p:txBody>
       </p:sp>
@@ -2246,7 +2246,7 @@
               <a:rPr lang="en-US" smtClean="0"/>
               <a:t>‹#›</a:t>
             </a:fld>
-            <a:endParaRPr lang="en-US"/>
+            <a:endParaRPr lang="en-US" dirty="0"/>
           </a:p>
         </p:txBody>
       </p:sp>
@@ -2319,9 +2319,9 @@
           <a:p>
             <a:fld id="{78C97017-6FC3-485B-9764-EAC9E56C1D49}" type="datetimeFigureOut">
               <a:rPr lang="en-US" smtClean="0"/>
-              <a:t>11/6/18</a:t>
+              <a:t>11/7/18</a:t>
             </a:fld>
-            <a:endParaRPr lang="en-US"/>
+            <a:endParaRPr lang="en-US" dirty="0"/>
           </a:p>
         </p:txBody>
       </p:sp>
@@ -2340,7 +2340,7 @@
           <a:bodyPr/>
           <a:lstStyle/>
           <a:p>
-            <a:endParaRPr lang="en-US"/>
+            <a:endParaRPr lang="en-US" dirty="0"/>
           </a:p>
         </p:txBody>
       </p:sp>
@@ -2363,7 +2363,7 @@
               <a:rPr lang="en-US" smtClean="0"/>
               <a:t>‹#›</a:t>
             </a:fld>
-            <a:endParaRPr lang="en-US"/>
+            <a:endParaRPr lang="en-US" dirty="0"/>
           </a:p>
         </p:txBody>
       </p:sp>
@@ -2414,9 +2414,9 @@
           <a:p>
             <a:fld id="{78C97017-6FC3-485B-9764-EAC9E56C1D49}" type="datetimeFigureOut">
               <a:rPr lang="en-US" smtClean="0"/>
-              <a:t>11/6/18</a:t>
+              <a:t>11/7/18</a:t>
             </a:fld>
-            <a:endParaRPr lang="en-US"/>
+            <a:endParaRPr lang="en-US" dirty="0"/>
           </a:p>
         </p:txBody>
       </p:sp>
@@ -2435,7 +2435,7 @@
           <a:bodyPr/>
           <a:lstStyle/>
           <a:p>
-            <a:endParaRPr lang="en-US"/>
+            <a:endParaRPr lang="en-US" dirty="0"/>
           </a:p>
         </p:txBody>
       </p:sp>
@@ -2458,7 +2458,7 @@
               <a:rPr lang="en-US" smtClean="0"/>
               <a:t>‹#›</a:t>
             </a:fld>
-            <a:endParaRPr lang="en-US"/>
+            <a:endParaRPr lang="en-US" dirty="0"/>
           </a:p>
         </p:txBody>
       </p:sp>
@@ -2689,9 +2689,9 @@
           <a:p>
             <a:fld id="{78C97017-6FC3-485B-9764-EAC9E56C1D49}" type="datetimeFigureOut">
               <a:rPr lang="en-US" smtClean="0"/>
-              <a:t>11/6/18</a:t>
+              <a:t>11/7/18</a:t>
             </a:fld>
-            <a:endParaRPr lang="en-US"/>
+            <a:endParaRPr lang="en-US" dirty="0"/>
           </a:p>
         </p:txBody>
       </p:sp>
@@ -2710,7 +2710,7 @@
           <a:bodyPr/>
           <a:lstStyle/>
           <a:p>
-            <a:endParaRPr lang="en-US"/>
+            <a:endParaRPr lang="en-US" dirty="0"/>
           </a:p>
         </p:txBody>
       </p:sp>
@@ -2733,7 +2733,7 @@
               <a:rPr lang="en-US" smtClean="0"/>
               <a:t>‹#›</a:t>
             </a:fld>
-            <a:endParaRPr lang="en-US"/>
+            <a:endParaRPr lang="en-US" dirty="0"/>
           </a:p>
         </p:txBody>
       </p:sp>
@@ -2855,7 +2855,7 @@
             </a:lvl9pPr>
           </a:lstStyle>
           <a:p>
-            <a:endParaRPr lang="en-US"/>
+            <a:endParaRPr lang="en-US" dirty="0"/>
           </a:p>
         </p:txBody>
       </p:sp>
@@ -2941,9 +2941,9 @@
           <a:p>
             <a:fld id="{78C97017-6FC3-485B-9764-EAC9E56C1D49}" type="datetimeFigureOut">
               <a:rPr lang="en-US" smtClean="0"/>
-              <a:t>11/6/18</a:t>
+              <a:t>11/7/18</a:t>
             </a:fld>
-            <a:endParaRPr lang="en-US"/>
+            <a:endParaRPr lang="en-US" dirty="0"/>
           </a:p>
         </p:txBody>
       </p:sp>
@@ -2962,7 +2962,7 @@
           <a:bodyPr/>
           <a:lstStyle/>
           <a:p>
-            <a:endParaRPr lang="en-US"/>
+            <a:endParaRPr lang="en-US" dirty="0"/>
           </a:p>
         </p:txBody>
       </p:sp>
@@ -2985,7 +2985,7 @@
               <a:rPr lang="en-US" smtClean="0"/>
               <a:t>‹#›</a:t>
             </a:fld>
-            <a:endParaRPr lang="en-US"/>
+            <a:endParaRPr lang="en-US" dirty="0"/>
           </a:p>
         </p:txBody>
       </p:sp>
@@ -3152,9 +3152,9 @@
           <a:p>
             <a:fld id="{78C97017-6FC3-485B-9764-EAC9E56C1D49}" type="datetimeFigureOut">
               <a:rPr lang="en-US" smtClean="0"/>
-              <a:t>11/6/18</a:t>
+              <a:t>11/7/18</a:t>
             </a:fld>
-            <a:endParaRPr lang="en-US"/>
+            <a:endParaRPr lang="en-US" dirty="0"/>
           </a:p>
         </p:txBody>
       </p:sp>
@@ -3191,7 +3191,7 @@
             </a:lvl1pPr>
           </a:lstStyle>
           <a:p>
-            <a:endParaRPr lang="en-US"/>
+            <a:endParaRPr lang="en-US" dirty="0"/>
           </a:p>
         </p:txBody>
       </p:sp>
@@ -3232,7 +3232,7 @@
               <a:rPr lang="en-US" smtClean="0"/>
               <a:t>‹#›</a:t>
             </a:fld>
-            <a:endParaRPr lang="en-US"/>
+            <a:endParaRPr lang="en-US" dirty="0"/>
           </a:p>
         </p:txBody>
       </p:sp>
@@ -3630,7 +3630,7 @@
           <a:p>
             <a:pPr algn="ctr"/>
             <a:r>
-              <a:rPr lang="en-US" sz="1050" b="1" dirty="0" err="1">
+              <a:rPr lang="en-US" sz="1050" b="1" dirty="0">
                 <a:solidFill>
                   <a:schemeClr val="accent3">
                     <a:lumMod val="75000"/>
@@ -3690,7 +3690,7 @@
           <a:p>
             <a:pPr algn="ctr"/>
             <a:r>
-              <a:rPr lang="en-US" sz="1050" b="1" dirty="0" err="1">
+              <a:rPr lang="en-US" sz="1050" b="1" dirty="0">
                 <a:solidFill>
                   <a:schemeClr val="accent3">
                     <a:lumMod val="75000"/>
@@ -3753,7 +3753,7 @@
           <a:p>
             <a:pPr algn="ctr"/>
             <a:r>
-              <a:rPr lang="en-US" sz="1050" dirty="0" err="1">
+              <a:rPr lang="en-US" sz="1050" dirty="0">
                 <a:solidFill>
                   <a:schemeClr val="bg1"/>
                 </a:solidFill>
@@ -3851,7 +3851,7 @@
           <a:lstStyle/>
           <a:p>
             <a:pPr algn="ctr"/>
-            <a:endParaRPr lang="en-SG" sz="1050" b="1">
+            <a:endParaRPr lang="en-SG" sz="1050" b="1" dirty="0">
               <a:solidFill>
                 <a:srgbClr val="92D050"/>
               </a:solidFill>
@@ -4063,7 +4063,7 @@
           <a:p>
             <a:pPr algn="ctr"/>
             <a:r>
-              <a:rPr lang="en-US" sz="1050" b="1" dirty="0" err="1">
+              <a:rPr lang="en-US" sz="1050" b="1" dirty="0">
                 <a:solidFill>
                   <a:schemeClr val="accent3">
                     <a:lumMod val="75000"/>
@@ -4123,7 +4123,7 @@
           <a:p>
             <a:pPr algn="ctr"/>
             <a:r>
-              <a:rPr lang="en-US" sz="1050" b="1" dirty="0" err="1">
+              <a:rPr lang="en-US" sz="1050" b="1" err="1">
                 <a:solidFill>
                   <a:schemeClr val="accent3">
                     <a:lumMod val="75000"/>
@@ -4132,6 +4132,126 @@
               </a:rPr>
               <a:t>PersonListPanel</a:t>
             </a:r>
+            <a:endParaRPr lang="en-SG" sz="1050" b="1">
+              <a:solidFill>
+                <a:schemeClr val="accent3">
+                  <a:lumMod val="75000"/>
+                </a:schemeClr>
+              </a:solidFill>
+            </a:endParaRPr>
+          </a:p>
+        </p:txBody>
+      </p:sp>
+      <p:sp>
+        <p:nvSpPr>
+          <p:cNvPr id="37" name="Rectangle 11"/>
+          <p:cNvSpPr/>
+          <p:nvPr/>
+        </p:nvSpPr>
+        <p:spPr>
+          <a:xfrm>
+            <a:off x="3839323" y="4228801"/>
+            <a:ext cx="1040906" cy="236841"/>
+          </a:xfrm>
+          <a:prstGeom prst="rect">
+            <a:avLst/>
+          </a:prstGeom>
+          <a:ln w="19050">
+            <a:solidFill>
+              <a:schemeClr val="accent3"/>
+            </a:solidFill>
+          </a:ln>
+          <a:effectLst/>
+        </p:spPr>
+        <p:style>
+          <a:lnRef idx="1">
+            <a:schemeClr val="accent3"/>
+          </a:lnRef>
+          <a:fillRef idx="2">
+            <a:schemeClr val="accent3"/>
+          </a:fillRef>
+          <a:effectRef idx="1">
+            <a:schemeClr val="accent3"/>
+          </a:effectRef>
+          <a:fontRef idx="minor">
+            <a:schemeClr val="dk1"/>
+          </a:fontRef>
+        </p:style>
+        <p:txBody>
+          <a:bodyPr rtlCol="0" anchor="ctr"/>
+          <a:lstStyle/>
+          <a:p>
+            <a:pPr algn="ctr"/>
+            <a:r>
+              <a:rPr lang="en-US" sz="1050" b="1" err="1">
+                <a:solidFill>
+                  <a:schemeClr val="accent3">
+                    <a:lumMod val="75000"/>
+                  </a:schemeClr>
+                </a:solidFill>
+              </a:rPr>
+              <a:t>PersonCard</a:t>
+            </a:r>
+            <a:endParaRPr lang="en-SG" sz="1050" b="1">
+              <a:solidFill>
+                <a:schemeClr val="accent3">
+                  <a:lumMod val="75000"/>
+                </a:schemeClr>
+              </a:solidFill>
+            </a:endParaRPr>
+          </a:p>
+        </p:txBody>
+      </p:sp>
+      <p:sp>
+        <p:nvSpPr>
+          <p:cNvPr id="38" name="Rectangle 11"/>
+          <p:cNvSpPr/>
+          <p:nvPr/>
+        </p:nvSpPr>
+        <p:spPr>
+          <a:xfrm>
+            <a:off x="2592528" y="4966000"/>
+            <a:ext cx="1093635" cy="236841"/>
+          </a:xfrm>
+          <a:prstGeom prst="rect">
+            <a:avLst/>
+          </a:prstGeom>
+          <a:ln w="19050">
+            <a:solidFill>
+              <a:schemeClr val="accent3"/>
+            </a:solidFill>
+          </a:ln>
+          <a:effectLst/>
+        </p:spPr>
+        <p:style>
+          <a:lnRef idx="1">
+            <a:schemeClr val="accent3"/>
+          </a:lnRef>
+          <a:fillRef idx="2">
+            <a:schemeClr val="accent3"/>
+          </a:fillRef>
+          <a:effectRef idx="1">
+            <a:schemeClr val="accent3"/>
+          </a:effectRef>
+          <a:fontRef idx="minor">
+            <a:schemeClr val="dk1"/>
+          </a:fontRef>
+        </p:style>
+        <p:txBody>
+          <a:bodyPr rtlCol="0" anchor="ctr"/>
+          <a:lstStyle/>
+          <a:p>
+            <a:pPr algn="ctr"/>
+            <a:r>
+              <a:rPr lang="en-US" sz="1050" b="1" dirty="0">
+                <a:solidFill>
+                  <a:schemeClr val="accent3">
+                    <a:lumMod val="75000"/>
+                  </a:schemeClr>
+                </a:solidFill>
+              </a:rPr>
+              <a:t>HelpWindow</a:t>
+            </a:r>
             <a:endParaRPr lang="en-SG" sz="1050" b="1" dirty="0">
               <a:solidFill>
                 <a:schemeClr val="accent3">
@@ -4144,126 +4264,6 @@
       </p:sp>
       <p:sp>
         <p:nvSpPr>
-          <p:cNvPr id="37" name="Rectangle 11"/>
-          <p:cNvSpPr/>
-          <p:nvPr/>
-        </p:nvSpPr>
-        <p:spPr>
-          <a:xfrm>
-            <a:off x="3839323" y="4228801"/>
-            <a:ext cx="1040906" cy="236841"/>
-          </a:xfrm>
-          <a:prstGeom prst="rect">
-            <a:avLst/>
-          </a:prstGeom>
-          <a:ln w="19050">
-            <a:solidFill>
-              <a:schemeClr val="accent3"/>
-            </a:solidFill>
-          </a:ln>
-          <a:effectLst/>
-        </p:spPr>
-        <p:style>
-          <a:lnRef idx="1">
-            <a:schemeClr val="accent3"/>
-          </a:lnRef>
-          <a:fillRef idx="2">
-            <a:schemeClr val="accent3"/>
-          </a:fillRef>
-          <a:effectRef idx="1">
-            <a:schemeClr val="accent3"/>
-          </a:effectRef>
-          <a:fontRef idx="minor">
-            <a:schemeClr val="dk1"/>
-          </a:fontRef>
-        </p:style>
-        <p:txBody>
-          <a:bodyPr rtlCol="0" anchor="ctr"/>
-          <a:lstStyle/>
-          <a:p>
-            <a:pPr algn="ctr"/>
-            <a:r>
-              <a:rPr lang="en-US" sz="1050" b="1" dirty="0" err="1">
-                <a:solidFill>
-                  <a:schemeClr val="accent3">
-                    <a:lumMod val="75000"/>
-                  </a:schemeClr>
-                </a:solidFill>
-              </a:rPr>
-              <a:t>PersonCard</a:t>
-            </a:r>
-            <a:endParaRPr lang="en-SG" sz="1050" b="1" dirty="0">
-              <a:solidFill>
-                <a:schemeClr val="accent3">
-                  <a:lumMod val="75000"/>
-                </a:schemeClr>
-              </a:solidFill>
-            </a:endParaRPr>
-          </a:p>
-        </p:txBody>
-      </p:sp>
-      <p:sp>
-        <p:nvSpPr>
-          <p:cNvPr id="38" name="Rectangle 11"/>
-          <p:cNvSpPr/>
-          <p:nvPr/>
-        </p:nvSpPr>
-        <p:spPr>
-          <a:xfrm>
-            <a:off x="2592528" y="4966000"/>
-            <a:ext cx="1093635" cy="236841"/>
-          </a:xfrm>
-          <a:prstGeom prst="rect">
-            <a:avLst/>
-          </a:prstGeom>
-          <a:ln w="19050">
-            <a:solidFill>
-              <a:schemeClr val="accent3"/>
-            </a:solidFill>
-          </a:ln>
-          <a:effectLst/>
-        </p:spPr>
-        <p:style>
-          <a:lnRef idx="1">
-            <a:schemeClr val="accent3"/>
-          </a:lnRef>
-          <a:fillRef idx="2">
-            <a:schemeClr val="accent3"/>
-          </a:fillRef>
-          <a:effectRef idx="1">
-            <a:schemeClr val="accent3"/>
-          </a:effectRef>
-          <a:fontRef idx="minor">
-            <a:schemeClr val="dk1"/>
-          </a:fontRef>
-        </p:style>
-        <p:txBody>
-          <a:bodyPr rtlCol="0" anchor="ctr"/>
-          <a:lstStyle/>
-          <a:p>
-            <a:pPr algn="ctr"/>
-            <a:r>
-              <a:rPr lang="en-US" sz="1050" b="1" dirty="0" err="1">
-                <a:solidFill>
-                  <a:schemeClr val="accent3">
-                    <a:lumMod val="75000"/>
-                  </a:schemeClr>
-                </a:solidFill>
-              </a:rPr>
-              <a:t>HelpWindow</a:t>
-            </a:r>
-            <a:endParaRPr lang="en-SG" sz="1050" b="1" dirty="0">
-              <a:solidFill>
-                <a:schemeClr val="accent3">
-                  <a:lumMod val="75000"/>
-                </a:schemeClr>
-              </a:solidFill>
-            </a:endParaRPr>
-          </a:p>
-        </p:txBody>
-      </p:sp>
-      <p:sp>
-        <p:nvSpPr>
           <p:cNvPr id="39" name="Flowchart: Decision 38"/>
           <p:cNvSpPr/>
           <p:nvPr/>
@@ -4392,7 +4392,7 @@
           <a:p>
             <a:pPr algn="ctr"/>
             <a:r>
-              <a:rPr lang="en-US" sz="1050" b="1" dirty="0" err="1">
+              <a:rPr lang="en-US" sz="1050" b="1" dirty="0">
                 <a:solidFill>
                   <a:schemeClr val="accent3">
                     <a:lumMod val="75000"/>
@@ -4634,7 +4634,7 @@
               </a:rPr>
             </a:br>
             <a:r>
-              <a:rPr lang="en-US" sz="1050" b="1" dirty="0" err="1">
+              <a:rPr lang="en-US" sz="1050" b="1" dirty="0">
                 <a:solidFill>
                   <a:schemeClr val="accent3">
                     <a:lumMod val="75000"/>
@@ -4985,14 +4985,14 @@
           <a:p>
             <a:pPr algn="ctr"/>
             <a:r>
-              <a:rPr lang="en-US" sz="1100" b="1" dirty="0">
+              <a:rPr lang="en-US" sz="1100" b="1">
                 <a:solidFill>
                   <a:schemeClr val="bg1"/>
                 </a:solidFill>
               </a:rPr>
               <a:t>Model</a:t>
             </a:r>
-            <a:endParaRPr lang="en-SG" sz="1100" b="1" dirty="0">
+            <a:endParaRPr lang="en-SG" sz="1100" b="1">
               <a:solidFill>
                 <a:schemeClr val="bg1"/>
               </a:solidFill>
@@ -5055,7 +5055,7 @@
           <a:p>
             <a:pPr algn="ctr"/>
             <a:r>
-              <a:rPr lang="en-US" sz="1050" dirty="0" err="1">
+              <a:rPr lang="en-US" sz="1050" dirty="0">
                 <a:solidFill>
                   <a:schemeClr val="bg1"/>
                 </a:solidFill>
@@ -5727,7 +5727,7 @@
           <a:p>
             <a:pPr algn="ctr"/>
             <a:r>
-              <a:rPr lang="en-US" sz="1050" b="1" dirty="0" err="1">
+              <a:rPr lang="en-US" sz="1050" b="1" dirty="0">
                 <a:solidFill>
                   <a:schemeClr val="accent3">
                     <a:lumMod val="75000"/>
@@ -5787,7 +5787,7 @@
           <a:p>
             <a:pPr algn="ctr"/>
             <a:r>
-              <a:rPr lang="en-US" sz="1050" b="1" dirty="0" err="1">
+              <a:rPr lang="en-US" sz="1050" b="1" dirty="0">
                 <a:solidFill>
                   <a:schemeClr val="accent3">
                     <a:lumMod val="75000"/>
@@ -5850,7 +5850,7 @@
           <a:p>
             <a:pPr algn="ctr"/>
             <a:r>
-              <a:rPr lang="en-US" sz="1050" dirty="0" err="1">
+              <a:rPr lang="en-US" sz="1050" dirty="0">
                 <a:solidFill>
                   <a:schemeClr val="bg1"/>
                 </a:solidFill>
@@ -5948,7 +5948,7 @@
           <a:lstStyle/>
           <a:p>
             <a:pPr algn="ctr"/>
-            <a:endParaRPr lang="en-SG" sz="1050" b="1">
+            <a:endParaRPr lang="en-SG" sz="1050" b="1" dirty="0">
               <a:solidFill>
                 <a:srgbClr val="92D050"/>
               </a:solidFill>
@@ -6100,7 +6100,7 @@
           <a:p>
             <a:pPr algn="ctr"/>
             <a:r>
-              <a:rPr lang="en-US" sz="1050" b="1" dirty="0" err="1">
+              <a:rPr lang="en-US" sz="1050" b="1" dirty="0">
                 <a:solidFill>
                   <a:schemeClr val="accent3">
                     <a:lumMod val="75000"/>
@@ -6160,7 +6160,7 @@
           <a:p>
             <a:pPr algn="ctr"/>
             <a:r>
-              <a:rPr lang="en-US" sz="1050" b="1" dirty="0" err="1">
+              <a:rPr lang="en-US" sz="1050" b="1" dirty="0">
                 <a:solidFill>
                   <a:schemeClr val="accent3">
                     <a:lumMod val="75000"/>
@@ -6280,7 +6280,7 @@
           <a:p>
             <a:pPr algn="ctr"/>
             <a:r>
-              <a:rPr lang="en-US" sz="1050" b="1" dirty="0" err="1">
+              <a:rPr lang="en-US" sz="1050" b="1" dirty="0">
                 <a:solidFill>
                   <a:schemeClr val="accent3">
                     <a:lumMod val="75000"/>
@@ -6343,7 +6343,7 @@
           <a:lstStyle/>
           <a:p>
             <a:pPr algn="ctr"/>
-            <a:endParaRPr lang="en-SG"/>
+            <a:endParaRPr lang="en-SG" dirty="0"/>
           </a:p>
         </p:txBody>
       </p:sp>
@@ -6429,7 +6429,7 @@
           <a:p>
             <a:pPr algn="ctr"/>
             <a:r>
-              <a:rPr lang="en-US" sz="1050" b="1" dirty="0" err="1">
+              <a:rPr lang="en-US" sz="1050" b="1" dirty="0">
                 <a:solidFill>
                   <a:schemeClr val="accent3">
                     <a:lumMod val="75000"/>
@@ -6674,7 +6674,7 @@
               </a:rPr>
             </a:br>
             <a:r>
-              <a:rPr lang="en-US" sz="1050" b="1" dirty="0" err="1">
+              <a:rPr lang="en-US" sz="1050" b="1" dirty="0">
                 <a:solidFill>
                   <a:schemeClr val="accent3">
                     <a:lumMod val="75000"/>
@@ -7055,7 +7055,7 @@
           <a:p>
             <a:pPr algn="ctr"/>
             <a:r>
-              <a:rPr lang="en-US" sz="1050" dirty="0" err="1">
+              <a:rPr lang="en-US" sz="1050" dirty="0">
                 <a:solidFill>
                   <a:schemeClr val="bg1"/>
                 </a:solidFill>
@@ -7110,7 +7110,7 @@
           <a:lstStyle/>
           <a:p>
             <a:pPr algn="ctr"/>
-            <a:endParaRPr lang="en-SG" sz="1050" b="1">
+            <a:endParaRPr lang="en-SG" sz="1050" b="1" dirty="0">
               <a:solidFill>
                 <a:srgbClr val="92D050"/>
               </a:solidFill>
@@ -7333,7 +7333,7 @@
           <a:lstStyle/>
           <a:p>
             <a:pPr algn="ctr"/>
-            <a:endParaRPr lang="en-SG"/>
+            <a:endParaRPr lang="en-SG" dirty="0"/>
           </a:p>
         </p:txBody>
       </p:sp>
@@ -7415,7 +7415,7 @@
           <a:lstStyle/>
           <a:p>
             <a:pPr algn="ctr"/>
-            <a:endParaRPr lang="en-SG"/>
+            <a:endParaRPr lang="en-SG" dirty="0"/>
           </a:p>
         </p:txBody>
       </p:sp>
@@ -7532,7 +7532,7 @@
           <a:p>
             <a:pPr algn="ctr"/>
             <a:r>
-              <a:rPr lang="en-US" sz="1050" b="1" dirty="0" err="1">
+              <a:rPr lang="en-US" sz="1050" b="1" dirty="0">
                 <a:solidFill>
                   <a:schemeClr val="accent3">
                     <a:lumMod val="75000"/>
@@ -7598,7 +7598,7 @@
           <a:p>
             <a:pPr algn="ctr"/>
             <a:r>
-              <a:rPr lang="en-US" sz="1050" b="1" dirty="0" err="1">
+              <a:rPr lang="en-US" sz="1050" b="1" dirty="0">
                 <a:solidFill>
                   <a:schemeClr val="accent3">
                     <a:lumMod val="75000"/>
@@ -7664,7 +7664,7 @@
           <a:p>
             <a:pPr algn="ctr"/>
             <a:r>
-              <a:rPr lang="en-US" sz="1050" b="1" dirty="0" err="1">
+              <a:rPr lang="en-US" sz="1050" b="1" dirty="0">
                 <a:solidFill>
                   <a:schemeClr val="accent3">
                     <a:lumMod val="75000"/>
@@ -7730,7 +7730,7 @@
           <a:p>
             <a:pPr algn="ctr"/>
             <a:r>
-              <a:rPr lang="en-US" sz="1050" b="1" dirty="0" err="1">
+              <a:rPr lang="en-US" sz="1050" b="1" dirty="0">
                 <a:solidFill>
                   <a:schemeClr val="accent3">
                     <a:lumMod val="75000"/>
@@ -7796,7 +7796,7 @@
           <a:p>
             <a:pPr algn="ctr"/>
             <a:r>
-              <a:rPr lang="en-US" sz="1050" b="1" dirty="0" err="1">
+              <a:rPr lang="en-US" sz="1050" b="1" dirty="0">
                 <a:solidFill>
                   <a:schemeClr val="accent3">
                     <a:lumMod val="75000"/>
@@ -7862,7 +7862,7 @@
           <a:p>
             <a:pPr algn="ctr"/>
             <a:r>
-              <a:rPr lang="en-US" sz="1050" b="1" dirty="0" err="1">
+              <a:rPr lang="en-US" sz="1050" b="1" dirty="0">
                 <a:solidFill>
                   <a:schemeClr val="accent3">
                     <a:lumMod val="75000"/>
@@ -8082,18 +8082,19 @@
           </p:cNvPr>
           <p:cNvCxnSpPr>
             <a:cxnSpLocks/>
-            <a:stCxn id="48" idx="2"/>
             <a:endCxn id="52" idx="1"/>
           </p:cNvCxnSpPr>
           <p:nvPr/>
         </p:nvCxnSpPr>
         <p:spPr>
-          <a:xfrm rot="16200000" flipH="1">
-            <a:off x="4534906" y="4549270"/>
-            <a:ext cx="271101" cy="621360"/>
-          </a:xfrm>
-          <a:prstGeom prst="bentConnector2">
-            <a:avLst/>
+          <a:xfrm>
+            <a:off x="4183878" y="4877082"/>
+            <a:ext cx="797258" cy="118419"/>
+          </a:xfrm>
+          <a:prstGeom prst="bentConnector3">
+            <a:avLst>
+              <a:gd name="adj1" fmla="val 50000"/>
+            </a:avLst>
           </a:prstGeom>
           <a:ln w="19050">
             <a:solidFill>
@@ -8483,7 +8484,7 @@
           <a:lstStyle/>
           <a:p>
             <a:pPr algn="ctr"/>
-            <a:endParaRPr lang="en-SG"/>
+            <a:endParaRPr lang="en-SG" dirty="0"/>
           </a:p>
         </p:txBody>
       </p:sp>
@@ -8571,7 +8572,7 @@
           <a:lstStyle/>
           <a:p>
             <a:pPr algn="ctr"/>
-            <a:endParaRPr lang="en-SG"/>
+            <a:endParaRPr lang="en-SG" dirty="0"/>
           </a:p>
         </p:txBody>
       </p:sp>
@@ -8659,7 +8660,7 @@
           <a:lstStyle/>
           <a:p>
             <a:pPr algn="ctr"/>
-            <a:endParaRPr lang="en-SG"/>
+            <a:endParaRPr lang="en-SG" dirty="0"/>
           </a:p>
         </p:txBody>
       </p:sp>
@@ -8747,7 +8748,7 @@
           <a:lstStyle/>
           <a:p>
             <a:pPr algn="ctr"/>
-            <a:endParaRPr lang="en-SG"/>
+            <a:endParaRPr lang="en-SG" dirty="0"/>
           </a:p>
         </p:txBody>
       </p:sp>
